--- a/presentation/RIPLE.pptx
+++ b/presentation/RIPLE.pptx
@@ -5,10 +5,10 @@
     <p:sldMasterId id="2147483648" r:id="rId2"/>
   </p:sldMasterIdLst>
   <p:notesMasterIdLst>
-    <p:notesMasterId r:id="rId22"/>
+    <p:notesMasterId r:id="rId21"/>
   </p:notesMasterIdLst>
   <p:handoutMasterIdLst>
-    <p:handoutMasterId r:id="rId23"/>
+    <p:handoutMasterId r:id="rId22"/>
   </p:handoutMasterIdLst>
   <p:sldIdLst>
     <p:sldId id="261" r:id="rId3"/>
@@ -29,7 +29,6 @@
     <p:sldId id="285" r:id="rId18"/>
     <p:sldId id="286" r:id="rId19"/>
     <p:sldId id="265" r:id="rId20"/>
-    <p:sldId id="270" r:id="rId21"/>
   </p:sldIdLst>
   <p:sldSz cx="12192000" cy="6858000"/>
   <p:notesSz cx="6858000" cy="9144000"/>
@@ -148,6 +147,10 @@
     </p:ext>
   </p:extLst>
 </p:presentation>
+</file>
+
+<file path=ppt/revisionInfo.xml><?xml version="1.0" encoding="utf-8"?>
+<p1510:revInfo xmlns:a="http://schemas.openxmlformats.org/drawingml/2006/main" xmlns:r="http://schemas.openxmlformats.org/officeDocument/2006/relationships" xmlns:p1510="http://schemas.microsoft.com/office/powerpoint/2015/10/main"/>
 </file>
 
 <file path=ppt/diagrams/colors1.xml><?xml version="1.0" encoding="utf-8"?>
@@ -1666,11 +1669,11 @@
         <a:lstStyle/>
         <a:p>
           <a:r>
-            <a:rPr lang="en-US" dirty="0" smtClean="0"/>
+            <a:rPr lang="en-US" dirty="0"/>
             <a:t>Load dataset to </a:t>
           </a:r>
           <a:r>
-            <a:rPr lang="en-US" dirty="0" err="1" smtClean="0"/>
+            <a:rPr lang="en-US" dirty="0" err="1"/>
             <a:t>Dataframe</a:t>
           </a:r>
           <a:endParaRPr lang="en-US" dirty="0"/>
@@ -1707,11 +1710,11 @@
         <a:lstStyle/>
         <a:p>
           <a:r>
-            <a:rPr lang="en-US" dirty="0" smtClean="0"/>
+            <a:rPr lang="en-US" dirty="0"/>
             <a:t>Load the csv to the spark and transform it to </a:t>
           </a:r>
           <a:r>
-            <a:rPr lang="en-US" dirty="0" err="1" smtClean="0"/>
+            <a:rPr lang="en-US" dirty="0" err="1"/>
             <a:t>Dataframe</a:t>
           </a:r>
           <a:endParaRPr lang="en-US" dirty="0"/>
@@ -1748,10 +1751,9 @@
         <a:lstStyle/>
         <a:p>
           <a:r>
-            <a:rPr lang="en-US" dirty="0" smtClean="0"/>
+            <a:rPr lang="en-US" dirty="0"/>
             <a:t>Create the Machine learning Pipeline</a:t>
           </a:r>
-          <a:endParaRPr lang="en-US" dirty="0"/>
         </a:p>
       </dgm:t>
     </dgm:pt>
@@ -1785,10 +1787,9 @@
         <a:lstStyle/>
         <a:p>
           <a:r>
-            <a:rPr lang="en-US" dirty="0" smtClean="0"/>
+            <a:rPr lang="en-US" dirty="0"/>
             <a:t>Create all the needed transformers and estimators for the ML pipeline</a:t>
           </a:r>
-          <a:endParaRPr lang="en-US" dirty="0"/>
         </a:p>
       </dgm:t>
     </dgm:pt>
@@ -1822,10 +1823,9 @@
         <a:lstStyle/>
         <a:p>
           <a:r>
-            <a:rPr lang="en-US" dirty="0" smtClean="0"/>
+            <a:rPr lang="en-US" dirty="0"/>
             <a:t>Get the predictions</a:t>
           </a:r>
-          <a:endParaRPr lang="en-US" dirty="0"/>
         </a:p>
       </dgm:t>
     </dgm:pt>
@@ -1859,10 +1859,9 @@
         <a:lstStyle/>
         <a:p>
           <a:r>
-            <a:rPr lang="en-US" dirty="0" smtClean="0"/>
+            <a:rPr lang="en-US" dirty="0"/>
             <a:t>Extract the predictions about the scores</a:t>
           </a:r>
-          <a:endParaRPr lang="en-US" dirty="0"/>
         </a:p>
       </dgm:t>
     </dgm:pt>
@@ -1897,13 +1896,6 @@
         </dgm:presLayoutVars>
       </dgm:prSet>
       <dgm:spPr/>
-      <dgm:t>
-        <a:bodyPr/>
-        <a:lstStyle/>
-        <a:p>
-          <a:endParaRPr lang="en-US"/>
-        </a:p>
-      </dgm:t>
     </dgm:pt>
     <dgm:pt modelId="{5C04AEFB-7132-4B28-A7D3-862245070A8D}" type="pres">
       <dgm:prSet presAssocID="{A6406C01-7E83-4650-8EF5-394419DCB348}" presName="compNode" presStyleCnt="0"/>
@@ -1920,24 +1912,10 @@
         </dgm:presLayoutVars>
       </dgm:prSet>
       <dgm:spPr/>
-      <dgm:t>
-        <a:bodyPr/>
-        <a:lstStyle/>
-        <a:p>
-          <a:endParaRPr lang="en-US"/>
-        </a:p>
-      </dgm:t>
     </dgm:pt>
     <dgm:pt modelId="{FB705FC1-639E-4064-8E9A-A79870DE5273}" type="pres">
       <dgm:prSet presAssocID="{A6406C01-7E83-4650-8EF5-394419DCB348}" presName="childTextHidden" presStyleLbl="bgAccFollowNode1" presStyleIdx="0" presStyleCnt="3"/>
       <dgm:spPr/>
-      <dgm:t>
-        <a:bodyPr/>
-        <a:lstStyle/>
-        <a:p>
-          <a:endParaRPr lang="en-US"/>
-        </a:p>
-      </dgm:t>
     </dgm:pt>
     <dgm:pt modelId="{47DA5750-48DC-4E4F-815D-0B05DBC30DAB}" type="pres">
       <dgm:prSet presAssocID="{A6406C01-7E83-4650-8EF5-394419DCB348}" presName="parentText" presStyleLbl="node1" presStyleIdx="0" presStyleCnt="3">
@@ -1947,13 +1925,6 @@
         </dgm:presLayoutVars>
       </dgm:prSet>
       <dgm:spPr/>
-      <dgm:t>
-        <a:bodyPr/>
-        <a:lstStyle/>
-        <a:p>
-          <a:endParaRPr lang="en-US"/>
-        </a:p>
-      </dgm:t>
     </dgm:pt>
     <dgm:pt modelId="{6319C676-A7DE-4777-9BB4-3B6D30ED3F5C}" type="pres">
       <dgm:prSet presAssocID="{A6406C01-7E83-4650-8EF5-394419DCB348}" presName="aSpace" presStyleCnt="0"/>
@@ -1974,24 +1945,10 @@
         </dgm:presLayoutVars>
       </dgm:prSet>
       <dgm:spPr/>
-      <dgm:t>
-        <a:bodyPr/>
-        <a:lstStyle/>
-        <a:p>
-          <a:endParaRPr lang="en-US"/>
-        </a:p>
-      </dgm:t>
     </dgm:pt>
     <dgm:pt modelId="{072FB640-0A28-40E8-9C0C-86BAF45C6EF0}" type="pres">
       <dgm:prSet presAssocID="{5D952622-A79E-41E4-BBC2-6212DEFFA91C}" presName="childTextHidden" presStyleLbl="bgAccFollowNode1" presStyleIdx="1" presStyleCnt="3"/>
       <dgm:spPr/>
-      <dgm:t>
-        <a:bodyPr/>
-        <a:lstStyle/>
-        <a:p>
-          <a:endParaRPr lang="en-US"/>
-        </a:p>
-      </dgm:t>
     </dgm:pt>
     <dgm:pt modelId="{EE8733A1-7662-4D0A-B39E-2218596CC81C}" type="pres">
       <dgm:prSet presAssocID="{5D952622-A79E-41E4-BBC2-6212DEFFA91C}" presName="parentText" presStyleLbl="node1" presStyleIdx="1" presStyleCnt="3">
@@ -2001,13 +1958,6 @@
         </dgm:presLayoutVars>
       </dgm:prSet>
       <dgm:spPr/>
-      <dgm:t>
-        <a:bodyPr/>
-        <a:lstStyle/>
-        <a:p>
-          <a:endParaRPr lang="en-US"/>
-        </a:p>
-      </dgm:t>
     </dgm:pt>
     <dgm:pt modelId="{E0D7C734-E391-436F-996C-E60442F50A17}" type="pres">
       <dgm:prSet presAssocID="{5D952622-A79E-41E4-BBC2-6212DEFFA91C}" presName="aSpace" presStyleCnt="0"/>
@@ -2028,24 +1978,10 @@
         </dgm:presLayoutVars>
       </dgm:prSet>
       <dgm:spPr/>
-      <dgm:t>
-        <a:bodyPr/>
-        <a:lstStyle/>
-        <a:p>
-          <a:endParaRPr lang="en-US"/>
-        </a:p>
-      </dgm:t>
     </dgm:pt>
     <dgm:pt modelId="{F0925EF4-86E2-4748-BA70-94AAF55AB064}" type="pres">
       <dgm:prSet presAssocID="{50706FFE-8A00-485D-9FF7-8D310692C602}" presName="childTextHidden" presStyleLbl="bgAccFollowNode1" presStyleIdx="2" presStyleCnt="3"/>
       <dgm:spPr/>
-      <dgm:t>
-        <a:bodyPr/>
-        <a:lstStyle/>
-        <a:p>
-          <a:endParaRPr lang="en-US"/>
-        </a:p>
-      </dgm:t>
     </dgm:pt>
     <dgm:pt modelId="{78E9A4E4-18A9-4B73-8007-A63A71C71937}" type="pres">
       <dgm:prSet presAssocID="{50706FFE-8A00-485D-9FF7-8D310692C602}" presName="parentText" presStyleLbl="node1" presStyleIdx="2" presStyleCnt="3">
@@ -2055,32 +1991,25 @@
         </dgm:presLayoutVars>
       </dgm:prSet>
       <dgm:spPr/>
-      <dgm:t>
-        <a:bodyPr/>
-        <a:lstStyle/>
-        <a:p>
-          <a:endParaRPr lang="en-US"/>
-        </a:p>
-      </dgm:t>
     </dgm:pt>
   </dgm:ptLst>
   <dgm:cxnLst>
-    <dgm:cxn modelId="{35AF286C-A401-4C08-B8A3-F38B03322BD8}" srcId="{5D952622-A79E-41E4-BBC2-6212DEFFA91C}" destId="{5248D9DA-6444-46F6-8D28-C8BB2253AAD1}" srcOrd="0" destOrd="0" parTransId="{A8533F77-F094-4EDB-BCC7-35E0D6A46B71}" sibTransId="{011B552E-515A-4C41-B810-0D2552861422}"/>
-    <dgm:cxn modelId="{11A0AF47-4BCA-470E-92BF-7B388FFB0DE8}" srcId="{50706FFE-8A00-485D-9FF7-8D310692C602}" destId="{3A9B5D84-CB00-4BC9-ADB2-5CF832F36763}" srcOrd="0" destOrd="0" parTransId="{BD57EC4A-052D-4824-8820-064BAC997A9B}" sibTransId="{98E878CF-4A49-4E76-BD23-AE7C5290BAFD}"/>
-    <dgm:cxn modelId="{A22BDB9A-90BB-4DA2-8850-00D4F1D3B898}" srcId="{FBA29113-7A70-4E0E-B036-871C49B835F1}" destId="{5D952622-A79E-41E4-BBC2-6212DEFFA91C}" srcOrd="1" destOrd="0" parTransId="{10627A68-BE4B-4A4A-9EC9-4CFEF1E4DF39}" sibTransId="{092BAEF3-D9F2-476B-9A0B-6F14CC814529}"/>
-    <dgm:cxn modelId="{BA539253-48E3-447C-8770-C31D10399C4A}" type="presOf" srcId="{50706FFE-8A00-485D-9FF7-8D310692C602}" destId="{78E9A4E4-18A9-4B73-8007-A63A71C71937}" srcOrd="0" destOrd="0" presId="urn:microsoft.com/office/officeart/2005/8/layout/hProcess6"/>
-    <dgm:cxn modelId="{31498E67-CEA0-4571-B7AB-26A2113144F6}" type="presOf" srcId="{FBA29113-7A70-4E0E-B036-871C49B835F1}" destId="{8734DFB3-ADD8-4FD2-87D8-1981AA0ADD0B}" srcOrd="0" destOrd="0" presId="urn:microsoft.com/office/officeart/2005/8/layout/hProcess6"/>
-    <dgm:cxn modelId="{37A3A996-9723-4BDB-8959-9D9B7799BD9A}" srcId="{A6406C01-7E83-4650-8EF5-394419DCB348}" destId="{E4E9F0D0-FF23-4B59-9B97-973BCBE5DC65}" srcOrd="0" destOrd="0" parTransId="{E9237435-F938-45D4-8BF4-6D5D4DFF850F}" sibTransId="{D32B195A-7CAD-474B-B79C-BE4BB171E742}"/>
-    <dgm:cxn modelId="{AE4FA1B2-1FFD-4999-BFB4-0E2A9E4BEBBB}" type="presOf" srcId="{5248D9DA-6444-46F6-8D28-C8BB2253AAD1}" destId="{00D2DC2C-7CA2-4A4B-B66D-3DDCAB7DC8E9}" srcOrd="0" destOrd="0" presId="urn:microsoft.com/office/officeart/2005/8/layout/hProcess6"/>
     <dgm:cxn modelId="{99E34304-5770-4691-A3EE-6A7C8B9ACD53}" type="presOf" srcId="{E4E9F0D0-FF23-4B59-9B97-973BCBE5DC65}" destId="{610B5FFC-C0C9-444C-9F7A-14D1B54F604D}" srcOrd="0" destOrd="0" presId="urn:microsoft.com/office/officeart/2005/8/layout/hProcess6"/>
     <dgm:cxn modelId="{81ACEA16-295B-4802-A889-1DC375F525AB}" type="presOf" srcId="{A6406C01-7E83-4650-8EF5-394419DCB348}" destId="{47DA5750-48DC-4E4F-815D-0B05DBC30DAB}" srcOrd="0" destOrd="0" presId="urn:microsoft.com/office/officeart/2005/8/layout/hProcess6"/>
+    <dgm:cxn modelId="{130B0544-2388-4104-A721-8D29E7C77420}" type="presOf" srcId="{5D952622-A79E-41E4-BBC2-6212DEFFA91C}" destId="{EE8733A1-7662-4D0A-B39E-2218596CC81C}" srcOrd="0" destOrd="0" presId="urn:microsoft.com/office/officeart/2005/8/layout/hProcess6"/>
+    <dgm:cxn modelId="{31498E67-CEA0-4571-B7AB-26A2113144F6}" type="presOf" srcId="{FBA29113-7A70-4E0E-B036-871C49B835F1}" destId="{8734DFB3-ADD8-4FD2-87D8-1981AA0ADD0B}" srcOrd="0" destOrd="0" presId="urn:microsoft.com/office/officeart/2005/8/layout/hProcess6"/>
+    <dgm:cxn modelId="{11A0AF47-4BCA-470E-92BF-7B388FFB0DE8}" srcId="{50706FFE-8A00-485D-9FF7-8D310692C602}" destId="{3A9B5D84-CB00-4BC9-ADB2-5CF832F36763}" srcOrd="0" destOrd="0" parTransId="{BD57EC4A-052D-4824-8820-064BAC997A9B}" sibTransId="{98E878CF-4A49-4E76-BD23-AE7C5290BAFD}"/>
+    <dgm:cxn modelId="{019AA969-1A2B-48C0-B7C9-005E817BC2CB}" type="presOf" srcId="{E4E9F0D0-FF23-4B59-9B97-973BCBE5DC65}" destId="{FB705FC1-639E-4064-8E9A-A79870DE5273}" srcOrd="1" destOrd="0" presId="urn:microsoft.com/office/officeart/2005/8/layout/hProcess6"/>
+    <dgm:cxn modelId="{35AF286C-A401-4C08-B8A3-F38B03322BD8}" srcId="{5D952622-A79E-41E4-BBC2-6212DEFFA91C}" destId="{5248D9DA-6444-46F6-8D28-C8BB2253AAD1}" srcOrd="0" destOrd="0" parTransId="{A8533F77-F094-4EDB-BCC7-35E0D6A46B71}" sibTransId="{011B552E-515A-4C41-B810-0D2552861422}"/>
+    <dgm:cxn modelId="{F36BB86E-E9BB-4DBF-9DFE-F8050046ED1F}" type="presOf" srcId="{3A9B5D84-CB00-4BC9-ADB2-5CF832F36763}" destId="{4BF699B1-BE15-42D1-9784-AA33CF29870E}" srcOrd="0" destOrd="0" presId="urn:microsoft.com/office/officeart/2005/8/layout/hProcess6"/>
+    <dgm:cxn modelId="{BA539253-48E3-447C-8770-C31D10399C4A}" type="presOf" srcId="{50706FFE-8A00-485D-9FF7-8D310692C602}" destId="{78E9A4E4-18A9-4B73-8007-A63A71C71937}" srcOrd="0" destOrd="0" presId="urn:microsoft.com/office/officeart/2005/8/layout/hProcess6"/>
+    <dgm:cxn modelId="{D2E26D7D-A939-4166-987B-3E9E5A080266}" type="presOf" srcId="{3A9B5D84-CB00-4BC9-ADB2-5CF832F36763}" destId="{F0925EF4-86E2-4748-BA70-94AAF55AB064}" srcOrd="1" destOrd="0" presId="urn:microsoft.com/office/officeart/2005/8/layout/hProcess6"/>
     <dgm:cxn modelId="{4D956F8D-5727-488A-93AF-F33602655A44}" srcId="{FBA29113-7A70-4E0E-B036-871C49B835F1}" destId="{A6406C01-7E83-4650-8EF5-394419DCB348}" srcOrd="0" destOrd="0" parTransId="{2586B3BB-DA8B-42DF-AC9A-77CE21607FD0}" sibTransId="{7C5B61F0-A4F6-4FCA-B552-36151F31051E}"/>
+    <dgm:cxn modelId="{37A3A996-9723-4BDB-8959-9D9B7799BD9A}" srcId="{A6406C01-7E83-4650-8EF5-394419DCB348}" destId="{E4E9F0D0-FF23-4B59-9B97-973BCBE5DC65}" srcOrd="0" destOrd="0" parTransId="{E9237435-F938-45D4-8BF4-6D5D4DFF850F}" sibTransId="{D32B195A-7CAD-474B-B79C-BE4BB171E742}"/>
+    <dgm:cxn modelId="{E23D729A-C2FC-40CD-8A08-F5EBB66CF80B}" type="presOf" srcId="{5248D9DA-6444-46F6-8D28-C8BB2253AAD1}" destId="{072FB640-0A28-40E8-9C0C-86BAF45C6EF0}" srcOrd="1" destOrd="0" presId="urn:microsoft.com/office/officeart/2005/8/layout/hProcess6"/>
+    <dgm:cxn modelId="{A22BDB9A-90BB-4DA2-8850-00D4F1D3B898}" srcId="{FBA29113-7A70-4E0E-B036-871C49B835F1}" destId="{5D952622-A79E-41E4-BBC2-6212DEFFA91C}" srcOrd="1" destOrd="0" parTransId="{10627A68-BE4B-4A4A-9EC9-4CFEF1E4DF39}" sibTransId="{092BAEF3-D9F2-476B-9A0B-6F14CC814529}"/>
+    <dgm:cxn modelId="{AE4FA1B2-1FFD-4999-BFB4-0E2A9E4BEBBB}" type="presOf" srcId="{5248D9DA-6444-46F6-8D28-C8BB2253AAD1}" destId="{00D2DC2C-7CA2-4A4B-B66D-3DDCAB7DC8E9}" srcOrd="0" destOrd="0" presId="urn:microsoft.com/office/officeart/2005/8/layout/hProcess6"/>
     <dgm:cxn modelId="{7599CECE-5293-4C57-A979-D096C99254C7}" srcId="{FBA29113-7A70-4E0E-B036-871C49B835F1}" destId="{50706FFE-8A00-485D-9FF7-8D310692C602}" srcOrd="2" destOrd="0" parTransId="{EF44BD91-19A4-424B-BA32-4A5492B6E40B}" sibTransId="{CD03DFF4-D962-46D6-AFFA-2A87FD08403E}"/>
-    <dgm:cxn modelId="{019AA969-1A2B-48C0-B7C9-005E817BC2CB}" type="presOf" srcId="{E4E9F0D0-FF23-4B59-9B97-973BCBE5DC65}" destId="{FB705FC1-639E-4064-8E9A-A79870DE5273}" srcOrd="1" destOrd="0" presId="urn:microsoft.com/office/officeart/2005/8/layout/hProcess6"/>
-    <dgm:cxn modelId="{F36BB86E-E9BB-4DBF-9DFE-F8050046ED1F}" type="presOf" srcId="{3A9B5D84-CB00-4BC9-ADB2-5CF832F36763}" destId="{4BF699B1-BE15-42D1-9784-AA33CF29870E}" srcOrd="0" destOrd="0" presId="urn:microsoft.com/office/officeart/2005/8/layout/hProcess6"/>
-    <dgm:cxn modelId="{D2E26D7D-A939-4166-987B-3E9E5A080266}" type="presOf" srcId="{3A9B5D84-CB00-4BC9-ADB2-5CF832F36763}" destId="{F0925EF4-86E2-4748-BA70-94AAF55AB064}" srcOrd="1" destOrd="0" presId="urn:microsoft.com/office/officeart/2005/8/layout/hProcess6"/>
-    <dgm:cxn modelId="{130B0544-2388-4104-A721-8D29E7C77420}" type="presOf" srcId="{5D952622-A79E-41E4-BBC2-6212DEFFA91C}" destId="{EE8733A1-7662-4D0A-B39E-2218596CC81C}" srcOrd="0" destOrd="0" presId="urn:microsoft.com/office/officeart/2005/8/layout/hProcess6"/>
-    <dgm:cxn modelId="{E23D729A-C2FC-40CD-8A08-F5EBB66CF80B}" type="presOf" srcId="{5248D9DA-6444-46F6-8D28-C8BB2253AAD1}" destId="{072FB640-0A28-40E8-9C0C-86BAF45C6EF0}" srcOrd="1" destOrd="0" presId="urn:microsoft.com/office/officeart/2005/8/layout/hProcess6"/>
     <dgm:cxn modelId="{FF0D50D3-9477-4407-8F44-B60B9728DED7}" type="presParOf" srcId="{8734DFB3-ADD8-4FD2-87D8-1981AA0ADD0B}" destId="{5C04AEFB-7132-4B28-A7D3-862245070A8D}" srcOrd="0" destOrd="0" presId="urn:microsoft.com/office/officeart/2005/8/layout/hProcess6"/>
     <dgm:cxn modelId="{126CE751-65CF-4E60-902C-2D0B01478834}" type="presParOf" srcId="{5C04AEFB-7132-4B28-A7D3-862245070A8D}" destId="{358F74AC-FC7D-465B-BD12-B6CCC00F3D29}" srcOrd="0" destOrd="0" presId="urn:microsoft.com/office/officeart/2005/8/layout/hProcess6"/>
     <dgm:cxn modelId="{C6915109-771C-43AE-A4C7-A411D8E5978F}" type="presParOf" srcId="{5C04AEFB-7132-4B28-A7D3-862245070A8D}" destId="{610B5FFC-C0C9-444C-9F7A-14D1B54F604D}" srcOrd="1" destOrd="0" presId="urn:microsoft.com/office/officeart/2005/8/layout/hProcess6"/>
@@ -2131,7 +2060,7 @@
         <a:lstStyle/>
         <a:p>
           <a:r>
-            <a:rPr lang="en-US" dirty="0" err="1" smtClean="0"/>
+            <a:rPr lang="en-US" dirty="0" err="1"/>
             <a:t>VectorAssembler</a:t>
           </a:r>
           <a:endParaRPr lang="en-US" dirty="0"/>
@@ -2168,10 +2097,9 @@
         <a:lstStyle/>
         <a:p>
           <a:r>
-            <a:rPr lang="en-US" dirty="0" smtClean="0"/>
+            <a:rPr lang="en-US" dirty="0"/>
             <a:t>Vector from raw feature columns</a:t>
           </a:r>
-          <a:endParaRPr lang="en-US" dirty="0"/>
         </a:p>
       </dgm:t>
     </dgm:pt>
@@ -2205,7 +2133,7 @@
         <a:lstStyle/>
         <a:p>
           <a:r>
-            <a:rPr lang="en-US" dirty="0" err="1" smtClean="0"/>
+            <a:rPr lang="en-US" dirty="0" err="1"/>
             <a:t>VectorSlicer</a:t>
           </a:r>
           <a:endParaRPr lang="en-US" dirty="0"/>
@@ -2242,10 +2170,9 @@
         <a:lstStyle/>
         <a:p>
           <a:r>
-            <a:rPr lang="en-US" dirty="0" smtClean="0"/>
+            <a:rPr lang="en-US" dirty="0"/>
             <a:t>New vector which contains only the features we select.</a:t>
           </a:r>
-          <a:endParaRPr lang="en-US" dirty="0"/>
         </a:p>
       </dgm:t>
     </dgm:pt>
@@ -2279,7 +2206,7 @@
         <a:lstStyle/>
         <a:p>
           <a:r>
-            <a:rPr lang="en-US" dirty="0" err="1" smtClean="0"/>
+            <a:rPr lang="en-US" dirty="0" err="1"/>
             <a:t>VectorScaler</a:t>
           </a:r>
           <a:endParaRPr lang="en-US" dirty="0"/>
@@ -2316,10 +2243,9 @@
         <a:lstStyle/>
         <a:p>
           <a:r>
-            <a:rPr lang="en-US" dirty="0" smtClean="0"/>
-            <a:t>Vector which values are in similar scale</a:t>
+            <a:rPr lang="en-US" dirty="0"/>
+            <a:t>Vector whose values are in similar scale</a:t>
           </a:r>
-          <a:endParaRPr lang="en-US" dirty="0"/>
         </a:p>
       </dgm:t>
     </dgm:pt>
@@ -2353,7 +2279,7 @@
         <a:lstStyle/>
         <a:p>
           <a:r>
-            <a:rPr lang="en-US" dirty="0" err="1" smtClean="0"/>
+            <a:rPr lang="en-US" dirty="0" err="1"/>
             <a:t>LinearRegression</a:t>
           </a:r>
           <a:endParaRPr lang="en-US" dirty="0"/>
@@ -2390,7 +2316,7 @@
         <a:lstStyle/>
         <a:p>
           <a:r>
-            <a:rPr lang="en-US" dirty="0" smtClean="0"/>
+            <a:rPr lang="en-US" dirty="0"/>
             <a:t>Predictions</a:t>
           </a:r>
           <a:endParaRPr lang="el-GR" dirty="0"/>
@@ -2428,13 +2354,6 @@
         </dgm:presLayoutVars>
       </dgm:prSet>
       <dgm:spPr/>
-      <dgm:t>
-        <a:bodyPr/>
-        <a:lstStyle/>
-        <a:p>
-          <a:endParaRPr lang="en-US"/>
-        </a:p>
-      </dgm:t>
     </dgm:pt>
     <dgm:pt modelId="{5C04AEFB-7132-4B28-A7D3-862245070A8D}" type="pres">
       <dgm:prSet presAssocID="{A6406C01-7E83-4650-8EF5-394419DCB348}" presName="compNode" presStyleCnt="0"/>
@@ -2451,24 +2370,10 @@
         </dgm:presLayoutVars>
       </dgm:prSet>
       <dgm:spPr/>
-      <dgm:t>
-        <a:bodyPr/>
-        <a:lstStyle/>
-        <a:p>
-          <a:endParaRPr lang="en-US"/>
-        </a:p>
-      </dgm:t>
     </dgm:pt>
     <dgm:pt modelId="{FB705FC1-639E-4064-8E9A-A79870DE5273}" type="pres">
       <dgm:prSet presAssocID="{A6406C01-7E83-4650-8EF5-394419DCB348}" presName="childTextHidden" presStyleLbl="bgAccFollowNode1" presStyleIdx="0" presStyleCnt="4"/>
       <dgm:spPr/>
-      <dgm:t>
-        <a:bodyPr/>
-        <a:lstStyle/>
-        <a:p>
-          <a:endParaRPr lang="en-US"/>
-        </a:p>
-      </dgm:t>
     </dgm:pt>
     <dgm:pt modelId="{47DA5750-48DC-4E4F-815D-0B05DBC30DAB}" type="pres">
       <dgm:prSet presAssocID="{A6406C01-7E83-4650-8EF5-394419DCB348}" presName="parentText" presStyleLbl="node1" presStyleIdx="0" presStyleCnt="4">
@@ -2478,13 +2383,6 @@
         </dgm:presLayoutVars>
       </dgm:prSet>
       <dgm:spPr/>
-      <dgm:t>
-        <a:bodyPr/>
-        <a:lstStyle/>
-        <a:p>
-          <a:endParaRPr lang="en-US"/>
-        </a:p>
-      </dgm:t>
     </dgm:pt>
     <dgm:pt modelId="{6319C676-A7DE-4777-9BB4-3B6D30ED3F5C}" type="pres">
       <dgm:prSet presAssocID="{A6406C01-7E83-4650-8EF5-394419DCB348}" presName="aSpace" presStyleCnt="0"/>
@@ -2505,24 +2403,10 @@
         </dgm:presLayoutVars>
       </dgm:prSet>
       <dgm:spPr/>
-      <dgm:t>
-        <a:bodyPr/>
-        <a:lstStyle/>
-        <a:p>
-          <a:endParaRPr lang="en-US"/>
-        </a:p>
-      </dgm:t>
     </dgm:pt>
     <dgm:pt modelId="{072FB640-0A28-40E8-9C0C-86BAF45C6EF0}" type="pres">
       <dgm:prSet presAssocID="{5D952622-A79E-41E4-BBC2-6212DEFFA91C}" presName="childTextHidden" presStyleLbl="bgAccFollowNode1" presStyleIdx="1" presStyleCnt="4"/>
       <dgm:spPr/>
-      <dgm:t>
-        <a:bodyPr/>
-        <a:lstStyle/>
-        <a:p>
-          <a:endParaRPr lang="en-US"/>
-        </a:p>
-      </dgm:t>
     </dgm:pt>
     <dgm:pt modelId="{EE8733A1-7662-4D0A-B39E-2218596CC81C}" type="pres">
       <dgm:prSet presAssocID="{5D952622-A79E-41E4-BBC2-6212DEFFA91C}" presName="parentText" presStyleLbl="node1" presStyleIdx="1" presStyleCnt="4">
@@ -2532,13 +2416,6 @@
         </dgm:presLayoutVars>
       </dgm:prSet>
       <dgm:spPr/>
-      <dgm:t>
-        <a:bodyPr/>
-        <a:lstStyle/>
-        <a:p>
-          <a:endParaRPr lang="en-US"/>
-        </a:p>
-      </dgm:t>
     </dgm:pt>
     <dgm:pt modelId="{E0D7C734-E391-436F-996C-E60442F50A17}" type="pres">
       <dgm:prSet presAssocID="{5D952622-A79E-41E4-BBC2-6212DEFFA91C}" presName="aSpace" presStyleCnt="0"/>
@@ -2559,24 +2436,10 @@
         </dgm:presLayoutVars>
       </dgm:prSet>
       <dgm:spPr/>
-      <dgm:t>
-        <a:bodyPr/>
-        <a:lstStyle/>
-        <a:p>
-          <a:endParaRPr lang="en-US"/>
-        </a:p>
-      </dgm:t>
     </dgm:pt>
     <dgm:pt modelId="{F0925EF4-86E2-4748-BA70-94AAF55AB064}" type="pres">
       <dgm:prSet presAssocID="{50706FFE-8A00-485D-9FF7-8D310692C602}" presName="childTextHidden" presStyleLbl="bgAccFollowNode1" presStyleIdx="2" presStyleCnt="4"/>
       <dgm:spPr/>
-      <dgm:t>
-        <a:bodyPr/>
-        <a:lstStyle/>
-        <a:p>
-          <a:endParaRPr lang="en-US"/>
-        </a:p>
-      </dgm:t>
     </dgm:pt>
     <dgm:pt modelId="{78E9A4E4-18A9-4B73-8007-A63A71C71937}" type="pres">
       <dgm:prSet presAssocID="{50706FFE-8A00-485D-9FF7-8D310692C602}" presName="parentText" presStyleLbl="node1" presStyleIdx="2" presStyleCnt="4">
@@ -2586,13 +2449,6 @@
         </dgm:presLayoutVars>
       </dgm:prSet>
       <dgm:spPr/>
-      <dgm:t>
-        <a:bodyPr/>
-        <a:lstStyle/>
-        <a:p>
-          <a:endParaRPr lang="en-US"/>
-        </a:p>
-      </dgm:t>
     </dgm:pt>
     <dgm:pt modelId="{D9F80414-FD5C-4229-9517-501F76D3C651}" type="pres">
       <dgm:prSet presAssocID="{50706FFE-8A00-485D-9FF7-8D310692C602}" presName="aSpace" presStyleCnt="0"/>
@@ -2626,37 +2482,30 @@
         </dgm:presLayoutVars>
       </dgm:prSet>
       <dgm:spPr/>
-      <dgm:t>
-        <a:bodyPr/>
-        <a:lstStyle/>
-        <a:p>
-          <a:endParaRPr lang="el-GR"/>
-        </a:p>
-      </dgm:t>
     </dgm:pt>
   </dgm:ptLst>
   <dgm:cxnLst>
+    <dgm:cxn modelId="{00DD9401-98B1-40E4-B0E5-C2EC5F07B6D7}" type="presOf" srcId="{A6406C01-7E83-4650-8EF5-394419DCB348}" destId="{47DA5750-48DC-4E4F-815D-0B05DBC30DAB}" srcOrd="0" destOrd="0" presId="urn:microsoft.com/office/officeart/2005/8/layout/hProcess6"/>
+    <dgm:cxn modelId="{63BACF1A-70B5-4ED3-8F9E-1E9743554120}" type="presOf" srcId="{E4E9F0D0-FF23-4B59-9B97-973BCBE5DC65}" destId="{610B5FFC-C0C9-444C-9F7A-14D1B54F604D}" srcOrd="0" destOrd="0" presId="urn:microsoft.com/office/officeart/2005/8/layout/hProcess6"/>
+    <dgm:cxn modelId="{1154451D-744C-4ED8-AD9A-59BA3918EA1B}" type="presOf" srcId="{E04851FD-6787-4514-9003-89BE2CFBF747}" destId="{D68FDC43-7CA5-4516-80E6-1BC9FD368642}" srcOrd="1" destOrd="0" presId="urn:microsoft.com/office/officeart/2005/8/layout/hProcess6"/>
+    <dgm:cxn modelId="{15E88E33-A9F9-4D63-9508-6B47652884EC}" type="presOf" srcId="{E04851FD-6787-4514-9003-89BE2CFBF747}" destId="{6197DFBF-B209-44CE-AEB0-01E536EE99CC}" srcOrd="0" destOrd="0" presId="urn:microsoft.com/office/officeart/2005/8/layout/hProcess6"/>
+    <dgm:cxn modelId="{765B7065-6635-4AA8-AB89-95332F621808}" type="presOf" srcId="{E4E9F0D0-FF23-4B59-9B97-973BCBE5DC65}" destId="{FB705FC1-639E-4064-8E9A-A79870DE5273}" srcOrd="1" destOrd="0" presId="urn:microsoft.com/office/officeart/2005/8/layout/hProcess6"/>
+    <dgm:cxn modelId="{11A0AF47-4BCA-470E-92BF-7B388FFB0DE8}" srcId="{50706FFE-8A00-485D-9FF7-8D310692C602}" destId="{3A9B5D84-CB00-4BC9-ADB2-5CF832F36763}" srcOrd="0" destOrd="0" parTransId="{BD57EC4A-052D-4824-8820-064BAC997A9B}" sibTransId="{98E878CF-4A49-4E76-BD23-AE7C5290BAFD}"/>
     <dgm:cxn modelId="{35AF286C-A401-4C08-B8A3-F38B03322BD8}" srcId="{5D952622-A79E-41E4-BBC2-6212DEFFA91C}" destId="{5248D9DA-6444-46F6-8D28-C8BB2253AAD1}" srcOrd="0" destOrd="0" parTransId="{A8533F77-F094-4EDB-BCC7-35E0D6A46B71}" sibTransId="{011B552E-515A-4C41-B810-0D2552861422}"/>
+    <dgm:cxn modelId="{3E53E670-DB46-4134-959F-A4499E81FBA4}" type="presOf" srcId="{5248D9DA-6444-46F6-8D28-C8BB2253AAD1}" destId="{00D2DC2C-7CA2-4A4B-B66D-3DDCAB7DC8E9}" srcOrd="0" destOrd="0" presId="urn:microsoft.com/office/officeart/2005/8/layout/hProcess6"/>
+    <dgm:cxn modelId="{4D956F8D-5727-488A-93AF-F33602655A44}" srcId="{FBA29113-7A70-4E0E-B036-871C49B835F1}" destId="{A6406C01-7E83-4650-8EF5-394419DCB348}" srcOrd="0" destOrd="0" parTransId="{2586B3BB-DA8B-42DF-AC9A-77CE21607FD0}" sibTransId="{7C5B61F0-A4F6-4FCA-B552-36151F31051E}"/>
+    <dgm:cxn modelId="{1A4CE495-6084-4EEF-B9E3-DFCF33DBC10A}" type="presOf" srcId="{3A9B5D84-CB00-4BC9-ADB2-5CF832F36763}" destId="{F0925EF4-86E2-4748-BA70-94AAF55AB064}" srcOrd="1" destOrd="0" presId="urn:microsoft.com/office/officeart/2005/8/layout/hProcess6"/>
+    <dgm:cxn modelId="{37A3A996-9723-4BDB-8959-9D9B7799BD9A}" srcId="{A6406C01-7E83-4650-8EF5-394419DCB348}" destId="{E4E9F0D0-FF23-4B59-9B97-973BCBE5DC65}" srcOrd="0" destOrd="0" parTransId="{E9237435-F938-45D4-8BF4-6D5D4DFF850F}" sibTransId="{D32B195A-7CAD-474B-B79C-BE4BB171E742}"/>
+    <dgm:cxn modelId="{A22BDB9A-90BB-4DA2-8850-00D4F1D3B898}" srcId="{FBA29113-7A70-4E0E-B036-871C49B835F1}" destId="{5D952622-A79E-41E4-BBC2-6212DEFFA91C}" srcOrd="1" destOrd="0" parTransId="{10627A68-BE4B-4A4A-9EC9-4CFEF1E4DF39}" sibTransId="{092BAEF3-D9F2-476B-9A0B-6F14CC814529}"/>
     <dgm:cxn modelId="{4666FBB8-A94F-4D90-A392-AFAA85ABAB8C}" srcId="{DE4F1A1A-AB3C-45AA-A04D-AEA9DA21A135}" destId="{E04851FD-6787-4514-9003-89BE2CFBF747}" srcOrd="0" destOrd="0" parTransId="{E08DA9B9-8D9C-4B12-B899-C6723B743950}" sibTransId="{D7B60C0B-2208-44EF-9FD1-997F939843EE}"/>
-    <dgm:cxn modelId="{3E53E670-DB46-4134-959F-A4499E81FBA4}" type="presOf" srcId="{5248D9DA-6444-46F6-8D28-C8BB2253AAD1}" destId="{00D2DC2C-7CA2-4A4B-B66D-3DDCAB7DC8E9}" srcOrd="0" destOrd="0" presId="urn:microsoft.com/office/officeart/2005/8/layout/hProcess6"/>
-    <dgm:cxn modelId="{1A4CE495-6084-4EEF-B9E3-DFCF33DBC10A}" type="presOf" srcId="{3A9B5D84-CB00-4BC9-ADB2-5CF832F36763}" destId="{F0925EF4-86E2-4748-BA70-94AAF55AB064}" srcOrd="1" destOrd="0" presId="urn:microsoft.com/office/officeart/2005/8/layout/hProcess6"/>
-    <dgm:cxn modelId="{1154451D-744C-4ED8-AD9A-59BA3918EA1B}" type="presOf" srcId="{E04851FD-6787-4514-9003-89BE2CFBF747}" destId="{D68FDC43-7CA5-4516-80E6-1BC9FD368642}" srcOrd="1" destOrd="0" presId="urn:microsoft.com/office/officeart/2005/8/layout/hProcess6"/>
-    <dgm:cxn modelId="{11A0AF47-4BCA-470E-92BF-7B388FFB0DE8}" srcId="{50706FFE-8A00-485D-9FF7-8D310692C602}" destId="{3A9B5D84-CB00-4BC9-ADB2-5CF832F36763}" srcOrd="0" destOrd="0" parTransId="{BD57EC4A-052D-4824-8820-064BAC997A9B}" sibTransId="{98E878CF-4A49-4E76-BD23-AE7C5290BAFD}"/>
-    <dgm:cxn modelId="{A22BDB9A-90BB-4DA2-8850-00D4F1D3B898}" srcId="{FBA29113-7A70-4E0E-B036-871C49B835F1}" destId="{5D952622-A79E-41E4-BBC2-6212DEFFA91C}" srcOrd="1" destOrd="0" parTransId="{10627A68-BE4B-4A4A-9EC9-4CFEF1E4DF39}" sibTransId="{092BAEF3-D9F2-476B-9A0B-6F14CC814529}"/>
-    <dgm:cxn modelId="{15E88E33-A9F9-4D63-9508-6B47652884EC}" type="presOf" srcId="{E04851FD-6787-4514-9003-89BE2CFBF747}" destId="{6197DFBF-B209-44CE-AEB0-01E536EE99CC}" srcOrd="0" destOrd="0" presId="urn:microsoft.com/office/officeart/2005/8/layout/hProcess6"/>
-    <dgm:cxn modelId="{03F0AFF3-ADC6-435B-834B-B70673D72439}" type="presOf" srcId="{5248D9DA-6444-46F6-8D28-C8BB2253AAD1}" destId="{072FB640-0A28-40E8-9C0C-86BAF45C6EF0}" srcOrd="1" destOrd="0" presId="urn:microsoft.com/office/officeart/2005/8/layout/hProcess6"/>
+    <dgm:cxn modelId="{184922CD-FB25-4CBE-925F-AB7FB794F3CD}" type="presOf" srcId="{3A9B5D84-CB00-4BC9-ADB2-5CF832F36763}" destId="{4BF699B1-BE15-42D1-9784-AA33CF29870E}" srcOrd="0" destOrd="0" presId="urn:microsoft.com/office/officeart/2005/8/layout/hProcess6"/>
+    <dgm:cxn modelId="{7599CECE-5293-4C57-A979-D096C99254C7}" srcId="{FBA29113-7A70-4E0E-B036-871C49B835F1}" destId="{50706FFE-8A00-485D-9FF7-8D310692C602}" srcOrd="2" destOrd="0" parTransId="{EF44BD91-19A4-424B-BA32-4A5492B6E40B}" sibTransId="{CD03DFF4-D962-46D6-AFFA-2A87FD08403E}"/>
+    <dgm:cxn modelId="{76AB9BCF-667C-4242-A170-B160ABC5BF26}" type="presOf" srcId="{50706FFE-8A00-485D-9FF7-8D310692C602}" destId="{78E9A4E4-18A9-4B73-8007-A63A71C71937}" srcOrd="0" destOrd="0" presId="urn:microsoft.com/office/officeart/2005/8/layout/hProcess6"/>
+    <dgm:cxn modelId="{0F031DD0-E2F1-49A3-9262-7A04D60B97D9}" type="presOf" srcId="{FBA29113-7A70-4E0E-B036-871C49B835F1}" destId="{8734DFB3-ADD8-4FD2-87D8-1981AA0ADD0B}" srcOrd="0" destOrd="0" presId="urn:microsoft.com/office/officeart/2005/8/layout/hProcess6"/>
+    <dgm:cxn modelId="{75CBCCDB-3057-498A-8CC4-18A9BD459479}" type="presOf" srcId="{5D952622-A79E-41E4-BBC2-6212DEFFA91C}" destId="{EE8733A1-7662-4D0A-B39E-2218596CC81C}" srcOrd="0" destOrd="0" presId="urn:microsoft.com/office/officeart/2005/8/layout/hProcess6"/>
     <dgm:cxn modelId="{A8856ADE-2EB9-44AE-A0EF-BB80AE87769D}" type="presOf" srcId="{DE4F1A1A-AB3C-45AA-A04D-AEA9DA21A135}" destId="{54884594-30A8-496E-816D-4CF7989B36D2}" srcOrd="0" destOrd="0" presId="urn:microsoft.com/office/officeart/2005/8/layout/hProcess6"/>
     <dgm:cxn modelId="{652AC5EB-398D-4810-9C1F-7A9ECCCB0DA2}" srcId="{FBA29113-7A70-4E0E-B036-871C49B835F1}" destId="{DE4F1A1A-AB3C-45AA-A04D-AEA9DA21A135}" srcOrd="3" destOrd="0" parTransId="{8D983C38-DE77-4C46-B274-B5A0B1E298A1}" sibTransId="{FE2FBB7D-A4EB-4D78-B06F-AC419D8C882D}"/>
-    <dgm:cxn modelId="{184922CD-FB25-4CBE-925F-AB7FB794F3CD}" type="presOf" srcId="{3A9B5D84-CB00-4BC9-ADB2-5CF832F36763}" destId="{4BF699B1-BE15-42D1-9784-AA33CF29870E}" srcOrd="0" destOrd="0" presId="urn:microsoft.com/office/officeart/2005/8/layout/hProcess6"/>
-    <dgm:cxn modelId="{37A3A996-9723-4BDB-8959-9D9B7799BD9A}" srcId="{A6406C01-7E83-4650-8EF5-394419DCB348}" destId="{E4E9F0D0-FF23-4B59-9B97-973BCBE5DC65}" srcOrd="0" destOrd="0" parTransId="{E9237435-F938-45D4-8BF4-6D5D4DFF850F}" sibTransId="{D32B195A-7CAD-474B-B79C-BE4BB171E742}"/>
-    <dgm:cxn modelId="{76AB9BCF-667C-4242-A170-B160ABC5BF26}" type="presOf" srcId="{50706FFE-8A00-485D-9FF7-8D310692C602}" destId="{78E9A4E4-18A9-4B73-8007-A63A71C71937}" srcOrd="0" destOrd="0" presId="urn:microsoft.com/office/officeart/2005/8/layout/hProcess6"/>
-    <dgm:cxn modelId="{765B7065-6635-4AA8-AB89-95332F621808}" type="presOf" srcId="{E4E9F0D0-FF23-4B59-9B97-973BCBE5DC65}" destId="{FB705FC1-639E-4064-8E9A-A79870DE5273}" srcOrd="1" destOrd="0" presId="urn:microsoft.com/office/officeart/2005/8/layout/hProcess6"/>
-    <dgm:cxn modelId="{4D956F8D-5727-488A-93AF-F33602655A44}" srcId="{FBA29113-7A70-4E0E-B036-871C49B835F1}" destId="{A6406C01-7E83-4650-8EF5-394419DCB348}" srcOrd="0" destOrd="0" parTransId="{2586B3BB-DA8B-42DF-AC9A-77CE21607FD0}" sibTransId="{7C5B61F0-A4F6-4FCA-B552-36151F31051E}"/>
-    <dgm:cxn modelId="{7599CECE-5293-4C57-A979-D096C99254C7}" srcId="{FBA29113-7A70-4E0E-B036-871C49B835F1}" destId="{50706FFE-8A00-485D-9FF7-8D310692C602}" srcOrd="2" destOrd="0" parTransId="{EF44BD91-19A4-424B-BA32-4A5492B6E40B}" sibTransId="{CD03DFF4-D962-46D6-AFFA-2A87FD08403E}"/>
-    <dgm:cxn modelId="{00DD9401-98B1-40E4-B0E5-C2EC5F07B6D7}" type="presOf" srcId="{A6406C01-7E83-4650-8EF5-394419DCB348}" destId="{47DA5750-48DC-4E4F-815D-0B05DBC30DAB}" srcOrd="0" destOrd="0" presId="urn:microsoft.com/office/officeart/2005/8/layout/hProcess6"/>
-    <dgm:cxn modelId="{75CBCCDB-3057-498A-8CC4-18A9BD459479}" type="presOf" srcId="{5D952622-A79E-41E4-BBC2-6212DEFFA91C}" destId="{EE8733A1-7662-4D0A-B39E-2218596CC81C}" srcOrd="0" destOrd="0" presId="urn:microsoft.com/office/officeart/2005/8/layout/hProcess6"/>
-    <dgm:cxn modelId="{63BACF1A-70B5-4ED3-8F9E-1E9743554120}" type="presOf" srcId="{E4E9F0D0-FF23-4B59-9B97-973BCBE5DC65}" destId="{610B5FFC-C0C9-444C-9F7A-14D1B54F604D}" srcOrd="0" destOrd="0" presId="urn:microsoft.com/office/officeart/2005/8/layout/hProcess6"/>
-    <dgm:cxn modelId="{0F031DD0-E2F1-49A3-9262-7A04D60B97D9}" type="presOf" srcId="{FBA29113-7A70-4E0E-B036-871C49B835F1}" destId="{8734DFB3-ADD8-4FD2-87D8-1981AA0ADD0B}" srcOrd="0" destOrd="0" presId="urn:microsoft.com/office/officeart/2005/8/layout/hProcess6"/>
+    <dgm:cxn modelId="{03F0AFF3-ADC6-435B-834B-B70673D72439}" type="presOf" srcId="{5248D9DA-6444-46F6-8D28-C8BB2253AAD1}" destId="{072FB640-0A28-40E8-9C0C-86BAF45C6EF0}" srcOrd="1" destOrd="0" presId="urn:microsoft.com/office/officeart/2005/8/layout/hProcess6"/>
     <dgm:cxn modelId="{32DD87EC-9B45-4D80-AA3D-0AA389A568CC}" type="presParOf" srcId="{8734DFB3-ADD8-4FD2-87D8-1981AA0ADD0B}" destId="{5C04AEFB-7132-4B28-A7D3-862245070A8D}" srcOrd="0" destOrd="0" presId="urn:microsoft.com/office/officeart/2005/8/layout/hProcess6"/>
     <dgm:cxn modelId="{A592BA11-F2A9-4B43-8BE7-0408136364B1}" type="presParOf" srcId="{5C04AEFB-7132-4B28-A7D3-862245070A8D}" destId="{358F74AC-FC7D-465B-BD12-B6CCC00F3D29}" srcOrd="0" destOrd="0" presId="urn:microsoft.com/office/officeart/2005/8/layout/hProcess6"/>
     <dgm:cxn modelId="{D375C45D-D5E1-4D6E-B3E3-1F05F41C72E1}" type="presParOf" srcId="{5C04AEFB-7132-4B28-A7D3-862245070A8D}" destId="{610B5FFC-C0C9-444C-9F7A-14D1B54F604D}" srcOrd="1" destOrd="0" presId="urn:microsoft.com/office/officeart/2005/8/layout/hProcess6"/>
@@ -2759,7 +2608,7 @@
         </a:bodyPr>
         <a:lstStyle/>
         <a:p>
-          <a:pPr lvl="0" algn="ctr" defTabSz="711200">
+          <a:pPr marL="0" lvl="0" indent="0" algn="ctr" defTabSz="711200">
             <a:lnSpc>
               <a:spcPct val="90000"/>
             </a:lnSpc>
@@ -2769,13 +2618,14 @@
             <a:spcAft>
               <a:spcPct val="35000"/>
             </a:spcAft>
+            <a:buNone/>
           </a:pPr>
           <a:r>
-            <a:rPr lang="en-US" sz="1600" kern="1200" dirty="0" smtClean="0"/>
+            <a:rPr lang="en-US" sz="1600" kern="1200" dirty="0"/>
             <a:t>Load the csv to the spark and transform it to </a:t>
           </a:r>
           <a:r>
-            <a:rPr lang="en-US" sz="1600" kern="1200" dirty="0" err="1" smtClean="0"/>
+            <a:rPr lang="en-US" sz="1600" kern="1200" dirty="0" err="1"/>
             <a:t>Dataframe</a:t>
           </a:r>
           <a:endParaRPr lang="en-US" sz="1600" kern="1200" dirty="0"/>
@@ -2841,7 +2691,7 @@
         </a:bodyPr>
         <a:lstStyle/>
         <a:p>
-          <a:pPr lvl="0" algn="ctr" defTabSz="577850">
+          <a:pPr marL="0" lvl="0" indent="0" algn="ctr" defTabSz="577850">
             <a:lnSpc>
               <a:spcPct val="90000"/>
             </a:lnSpc>
@@ -2851,13 +2701,14 @@
             <a:spcAft>
               <a:spcPct val="35000"/>
             </a:spcAft>
+            <a:buNone/>
           </a:pPr>
           <a:r>
-            <a:rPr lang="en-US" sz="1300" kern="1200" dirty="0" smtClean="0"/>
+            <a:rPr lang="en-US" sz="1300" kern="1200" dirty="0"/>
             <a:t>Load dataset to </a:t>
           </a:r>
           <a:r>
-            <a:rPr lang="en-US" sz="1300" kern="1200" dirty="0" err="1" smtClean="0"/>
+            <a:rPr lang="en-US" sz="1300" kern="1200" dirty="0" err="1"/>
             <a:t>Dataframe</a:t>
           </a:r>
           <a:endParaRPr lang="en-US" sz="1300" kern="1200" dirty="0"/>
@@ -2928,7 +2779,7 @@
         </a:bodyPr>
         <a:lstStyle/>
         <a:p>
-          <a:pPr lvl="0" algn="ctr" defTabSz="711200">
+          <a:pPr marL="0" lvl="0" indent="0" algn="ctr" defTabSz="711200">
             <a:lnSpc>
               <a:spcPct val="90000"/>
             </a:lnSpc>
@@ -2938,12 +2789,12 @@
             <a:spcAft>
               <a:spcPct val="35000"/>
             </a:spcAft>
+            <a:buNone/>
           </a:pPr>
           <a:r>
-            <a:rPr lang="en-US" sz="1600" kern="1200" dirty="0" smtClean="0"/>
+            <a:rPr lang="en-US" sz="1600" kern="1200" dirty="0"/>
             <a:t>Create all the needed transformers and estimators for the ML pipeline</a:t>
           </a:r>
-          <a:endParaRPr lang="en-US" sz="1600" kern="1200" dirty="0"/>
         </a:p>
       </dsp:txBody>
       <dsp:txXfrm>
@@ -3006,7 +2857,7 @@
         </a:bodyPr>
         <a:lstStyle/>
         <a:p>
-          <a:pPr lvl="0" algn="ctr" defTabSz="577850">
+          <a:pPr marL="0" lvl="0" indent="0" algn="ctr" defTabSz="577850">
             <a:lnSpc>
               <a:spcPct val="90000"/>
             </a:lnSpc>
@@ -3016,12 +2867,12 @@
             <a:spcAft>
               <a:spcPct val="35000"/>
             </a:spcAft>
+            <a:buNone/>
           </a:pPr>
           <a:r>
-            <a:rPr lang="en-US" sz="1300" kern="1200" dirty="0" smtClean="0"/>
+            <a:rPr lang="en-US" sz="1300" kern="1200" dirty="0"/>
             <a:t>Create the Machine learning Pipeline</a:t>
           </a:r>
-          <a:endParaRPr lang="en-US" sz="1300" kern="1200" dirty="0"/>
         </a:p>
       </dsp:txBody>
       <dsp:txXfrm>
@@ -3089,7 +2940,7 @@
         </a:bodyPr>
         <a:lstStyle/>
         <a:p>
-          <a:pPr lvl="0" algn="ctr" defTabSz="711200">
+          <a:pPr marL="0" lvl="0" indent="0" algn="ctr" defTabSz="711200">
             <a:lnSpc>
               <a:spcPct val="90000"/>
             </a:lnSpc>
@@ -3099,12 +2950,12 @@
             <a:spcAft>
               <a:spcPct val="35000"/>
             </a:spcAft>
+            <a:buNone/>
           </a:pPr>
           <a:r>
-            <a:rPr lang="en-US" sz="1600" kern="1200" dirty="0" smtClean="0"/>
+            <a:rPr lang="en-US" sz="1600" kern="1200" dirty="0"/>
             <a:t>Extract the predictions about the scores</a:t>
           </a:r>
-          <a:endParaRPr lang="en-US" sz="1600" kern="1200" dirty="0"/>
         </a:p>
       </dsp:txBody>
       <dsp:txXfrm>
@@ -3167,7 +3018,7 @@
         </a:bodyPr>
         <a:lstStyle/>
         <a:p>
-          <a:pPr lvl="0" algn="ctr" defTabSz="577850">
+          <a:pPr marL="0" lvl="0" indent="0" algn="ctr" defTabSz="577850">
             <a:lnSpc>
               <a:spcPct val="90000"/>
             </a:lnSpc>
@@ -3177,12 +3028,12 @@
             <a:spcAft>
               <a:spcPct val="35000"/>
             </a:spcAft>
+            <a:buNone/>
           </a:pPr>
           <a:r>
-            <a:rPr lang="en-US" sz="1300" kern="1200" dirty="0" smtClean="0"/>
+            <a:rPr lang="en-US" sz="1300" kern="1200" dirty="0"/>
             <a:t>Get the predictions</a:t>
           </a:r>
-          <a:endParaRPr lang="en-US" sz="1300" kern="1200" dirty="0"/>
         </a:p>
       </dsp:txBody>
       <dsp:txXfrm>
@@ -3262,7 +3113,7 @@
         </a:bodyPr>
         <a:lstStyle/>
         <a:p>
-          <a:pPr lvl="0" algn="ctr" defTabSz="711200">
+          <a:pPr marL="0" lvl="0" indent="0" algn="ctr" defTabSz="711200">
             <a:lnSpc>
               <a:spcPct val="90000"/>
             </a:lnSpc>
@@ -3272,12 +3123,12 @@
             <a:spcAft>
               <a:spcPct val="35000"/>
             </a:spcAft>
+            <a:buNone/>
           </a:pPr>
           <a:r>
-            <a:rPr lang="en-US" sz="1600" kern="1200" dirty="0" smtClean="0"/>
+            <a:rPr lang="en-US" sz="1600" kern="1200" dirty="0"/>
             <a:t>Vector from raw feature columns</a:t>
           </a:r>
-          <a:endParaRPr lang="en-US" sz="1600" kern="1200" dirty="0"/>
         </a:p>
       </dsp:txBody>
       <dsp:txXfrm>
@@ -3340,7 +3191,7 @@
         </a:bodyPr>
         <a:lstStyle/>
         <a:p>
-          <a:pPr lvl="0" algn="ctr" defTabSz="355600">
+          <a:pPr marL="0" lvl="0" indent="0" algn="ctr" defTabSz="355600">
             <a:lnSpc>
               <a:spcPct val="90000"/>
             </a:lnSpc>
@@ -3350,9 +3201,10 @@
             <a:spcAft>
               <a:spcPct val="35000"/>
             </a:spcAft>
+            <a:buNone/>
           </a:pPr>
           <a:r>
-            <a:rPr lang="en-US" sz="800" kern="1200" dirty="0" err="1" smtClean="0"/>
+            <a:rPr lang="en-US" sz="800" kern="1200" dirty="0" err="1"/>
             <a:t>VectorAssembler</a:t>
           </a:r>
           <a:endParaRPr lang="en-US" sz="800" kern="1200" dirty="0"/>
@@ -3423,7 +3275,7 @@
         </a:bodyPr>
         <a:lstStyle/>
         <a:p>
-          <a:pPr lvl="0" algn="ctr" defTabSz="711200">
+          <a:pPr marL="0" lvl="0" indent="0" algn="ctr" defTabSz="711200">
             <a:lnSpc>
               <a:spcPct val="90000"/>
             </a:lnSpc>
@@ -3433,12 +3285,12 @@
             <a:spcAft>
               <a:spcPct val="35000"/>
             </a:spcAft>
+            <a:buNone/>
           </a:pPr>
           <a:r>
-            <a:rPr lang="en-US" sz="1600" kern="1200" dirty="0" smtClean="0"/>
+            <a:rPr lang="en-US" sz="1600" kern="1200" dirty="0"/>
             <a:t>New vector which contains only the features we select.</a:t>
           </a:r>
-          <a:endParaRPr lang="en-US" sz="1600" kern="1200" dirty="0"/>
         </a:p>
       </dsp:txBody>
       <dsp:txXfrm>
@@ -3501,7 +3353,7 @@
         </a:bodyPr>
         <a:lstStyle/>
         <a:p>
-          <a:pPr lvl="0" algn="ctr" defTabSz="355600">
+          <a:pPr marL="0" lvl="0" indent="0" algn="ctr" defTabSz="355600">
             <a:lnSpc>
               <a:spcPct val="90000"/>
             </a:lnSpc>
@@ -3511,9 +3363,10 @@
             <a:spcAft>
               <a:spcPct val="35000"/>
             </a:spcAft>
+            <a:buNone/>
           </a:pPr>
           <a:r>
-            <a:rPr lang="en-US" sz="800" kern="1200" dirty="0" err="1" smtClean="0"/>
+            <a:rPr lang="en-US" sz="800" kern="1200" dirty="0" err="1"/>
             <a:t>VectorSlicer</a:t>
           </a:r>
           <a:endParaRPr lang="en-US" sz="800" kern="1200" dirty="0"/>
@@ -3584,7 +3437,7 @@
         </a:bodyPr>
         <a:lstStyle/>
         <a:p>
-          <a:pPr lvl="0" algn="ctr" defTabSz="711200">
+          <a:pPr marL="0" lvl="0" indent="0" algn="ctr" defTabSz="711200">
             <a:lnSpc>
               <a:spcPct val="90000"/>
             </a:lnSpc>
@@ -3594,12 +3447,12 @@
             <a:spcAft>
               <a:spcPct val="35000"/>
             </a:spcAft>
+            <a:buNone/>
           </a:pPr>
           <a:r>
-            <a:rPr lang="en-US" sz="1600" kern="1200" dirty="0" smtClean="0"/>
-            <a:t>Vector which values are in similar scale</a:t>
+            <a:rPr lang="en-US" sz="1600" kern="1200" dirty="0"/>
+            <a:t>Vector whose values are in similar scale</a:t>
           </a:r>
-          <a:endParaRPr lang="en-US" sz="1600" kern="1200" dirty="0"/>
         </a:p>
       </dsp:txBody>
       <dsp:txXfrm>
@@ -3662,7 +3515,7 @@
         </a:bodyPr>
         <a:lstStyle/>
         <a:p>
-          <a:pPr lvl="0" algn="ctr" defTabSz="355600">
+          <a:pPr marL="0" lvl="0" indent="0" algn="ctr" defTabSz="355600">
             <a:lnSpc>
               <a:spcPct val="90000"/>
             </a:lnSpc>
@@ -3672,9 +3525,10 @@
             <a:spcAft>
               <a:spcPct val="35000"/>
             </a:spcAft>
+            <a:buNone/>
           </a:pPr>
           <a:r>
-            <a:rPr lang="en-US" sz="800" kern="1200" dirty="0" err="1" smtClean="0"/>
+            <a:rPr lang="en-US" sz="800" kern="1200" dirty="0" err="1"/>
             <a:t>VectorScaler</a:t>
           </a:r>
           <a:endParaRPr lang="en-US" sz="800" kern="1200" dirty="0"/>
@@ -3745,7 +3599,7 @@
         </a:bodyPr>
         <a:lstStyle/>
         <a:p>
-          <a:pPr lvl="0" algn="ctr" defTabSz="711200">
+          <a:pPr marL="0" lvl="0" indent="0" algn="ctr" defTabSz="711200">
             <a:lnSpc>
               <a:spcPct val="90000"/>
             </a:lnSpc>
@@ -3755,9 +3609,10 @@
             <a:spcAft>
               <a:spcPct val="35000"/>
             </a:spcAft>
+            <a:buNone/>
           </a:pPr>
           <a:r>
-            <a:rPr lang="en-US" sz="1600" kern="1200" dirty="0" smtClean="0"/>
+            <a:rPr lang="en-US" sz="1600" kern="1200" dirty="0"/>
             <a:t>Predictions</a:t>
           </a:r>
           <a:endParaRPr lang="el-GR" sz="1600" kern="1200" dirty="0"/>
@@ -3823,7 +3678,7 @@
         </a:bodyPr>
         <a:lstStyle/>
         <a:p>
-          <a:pPr lvl="0" algn="ctr" defTabSz="355600">
+          <a:pPr marL="0" lvl="0" indent="0" algn="ctr" defTabSz="355600">
             <a:lnSpc>
               <a:spcPct val="90000"/>
             </a:lnSpc>
@@ -3833,9 +3688,10 @@
             <a:spcAft>
               <a:spcPct val="35000"/>
             </a:spcAft>
+            <a:buNone/>
           </a:pPr>
           <a:r>
-            <a:rPr lang="en-US" sz="800" kern="1200" dirty="0" err="1" smtClean="0"/>
+            <a:rPr lang="en-US" sz="800" kern="1200" dirty="0" err="1"/>
             <a:t>LinearRegression</a:t>
           </a:r>
           <a:endParaRPr lang="en-US" sz="800" kern="1200" dirty="0"/>
@@ -6588,7 +6444,7 @@
           <a:p>
             <a:fld id="{59041DB8-B66F-4DC8-A96E-33677E0F90FF}" type="datetimeFigureOut">
               <a:rPr lang="en-US" smtClean="0"/>
-              <a:t>5/15/2017</a:t>
+              <a:t>5/16/2017</a:t>
             </a:fld>
             <a:endParaRPr lang="en-US"/>
           </a:p>
@@ -6753,7 +6609,7 @@
           <a:p>
             <a:fld id="{DEB49C4A-65AC-492D-9701-81B46C3AD0E4}" type="datetimeFigureOut">
               <a:rPr lang="en-US" smtClean="0"/>
-              <a:t>5/15/2017</a:t>
+              <a:t>5/16/2017</a:t>
             </a:fld>
             <a:endParaRPr lang="en-US"/>
           </a:p>
@@ -6817,38 +6673,37 @@
           <a:p>
             <a:pPr lvl="0"/>
             <a:r>
-              <a:rPr lang="en-US" dirty="0" smtClean="0"/>
+              <a:rPr lang="en-US" dirty="0"/>
               <a:t>Click to edit Master text styles</a:t>
             </a:r>
           </a:p>
           <a:p>
             <a:pPr lvl="1"/>
             <a:r>
-              <a:rPr lang="en-US" dirty="0" smtClean="0"/>
+              <a:rPr lang="en-US" dirty="0"/>
               <a:t>Second level</a:t>
             </a:r>
           </a:p>
           <a:p>
             <a:pPr lvl="2"/>
             <a:r>
-              <a:rPr lang="en-US" dirty="0" smtClean="0"/>
+              <a:rPr lang="en-US" dirty="0"/>
               <a:t>Third level</a:t>
             </a:r>
           </a:p>
           <a:p>
             <a:pPr lvl="3"/>
             <a:r>
-              <a:rPr lang="en-US" dirty="0" smtClean="0"/>
+              <a:rPr lang="en-US" dirty="0"/>
               <a:t>Fourth level</a:t>
             </a:r>
           </a:p>
           <a:p>
             <a:pPr lvl="4"/>
             <a:r>
-              <a:rPr lang="en-US" dirty="0" smtClean="0"/>
+              <a:rPr lang="en-US" dirty="0"/>
               <a:t>Fifth level</a:t>
             </a:r>
-            <a:endParaRPr lang="en-US" dirty="0"/>
           </a:p>
         </p:txBody>
       </p:sp>
@@ -7066,11 +6921,11 @@
           <a:lstStyle/>
           <a:p>
             <a:r>
-              <a:rPr lang="en-US" dirty="0" smtClean="0"/>
+              <a:rPr lang="en-US" dirty="0"/>
               <a:t>Who</a:t>
             </a:r>
             <a:r>
-              <a:rPr lang="en-US" baseline="0" dirty="0" smtClean="0"/>
+              <a:rPr lang="en-US" baseline="0" dirty="0"/>
               <a:t> are we. What we present. </a:t>
             </a:r>
             <a:endParaRPr lang="el-GR" dirty="0"/>
@@ -7158,43 +7013,43 @@
           <a:lstStyle/>
           <a:p>
             <a:r>
-              <a:rPr lang="en-US" dirty="0" smtClean="0"/>
+              <a:rPr lang="en-US" dirty="0"/>
               <a:t>Our initial dataset we had 28 features. We</a:t>
             </a:r>
             <a:r>
-              <a:rPr lang="en-US" baseline="0" dirty="0" smtClean="0"/>
+              <a:rPr lang="en-US" baseline="0" dirty="0"/>
               <a:t> reduced the features to 17 because some features has no meaning in the </a:t>
             </a:r>
             <a:r>
-              <a:rPr lang="en-US" baseline="0" dirty="0" err="1" smtClean="0"/>
+              <a:rPr lang="en-US" baseline="0" dirty="0" err="1"/>
               <a:t>imdb</a:t>
             </a:r>
             <a:r>
-              <a:rPr lang="en-US" baseline="0" dirty="0" smtClean="0"/>
+              <a:rPr lang="en-US" baseline="0" dirty="0"/>
               <a:t> </a:t>
             </a:r>
             <a:r>
-              <a:rPr lang="en-US" baseline="0" dirty="0" err="1" smtClean="0"/>
+              <a:rPr lang="en-US" baseline="0" dirty="0" err="1"/>
               <a:t>socre</a:t>
             </a:r>
             <a:r>
-              <a:rPr lang="en-US" baseline="0" dirty="0" smtClean="0"/>
+              <a:rPr lang="en-US" baseline="0" dirty="0"/>
               <a:t> (</a:t>
             </a:r>
             <a:r>
-              <a:rPr lang="en-US" baseline="0" dirty="0" err="1" smtClean="0"/>
+              <a:rPr lang="en-US" baseline="0" dirty="0" err="1"/>
               <a:t>imdb_link</a:t>
             </a:r>
             <a:r>
-              <a:rPr lang="en-US" baseline="0" dirty="0" smtClean="0"/>
+              <a:rPr lang="en-US" baseline="0" dirty="0"/>
               <a:t> etc.). Then we correlate the remaining features and created a correlation matrix. In our correlation matrix we are interested in the features that correlates good with the </a:t>
             </a:r>
             <a:r>
-              <a:rPr lang="en-US" baseline="0" dirty="0" err="1" smtClean="0"/>
+              <a:rPr lang="en-US" baseline="0" dirty="0" err="1"/>
               <a:t>imdb</a:t>
             </a:r>
             <a:r>
-              <a:rPr lang="en-US" baseline="0" dirty="0" smtClean="0"/>
+              <a:rPr lang="en-US" baseline="0" dirty="0"/>
               <a:t> score feature.</a:t>
             </a:r>
             <a:endParaRPr lang="el-GR" dirty="0"/>
@@ -7299,54 +7154,54 @@
               <a:defRPr/>
             </a:pPr>
             <a:r>
-              <a:rPr lang="en-US" dirty="0" smtClean="0"/>
+              <a:rPr lang="en-US" dirty="0"/>
               <a:t>We</a:t>
             </a:r>
             <a:r>
-              <a:rPr lang="en-US" baseline="0" dirty="0" smtClean="0"/>
+              <a:rPr lang="en-US" baseline="0" dirty="0"/>
               <a:t> split our </a:t>
             </a:r>
             <a:r>
-              <a:rPr lang="en-US" baseline="0" dirty="0" err="1" smtClean="0"/>
+              <a:rPr lang="en-US" baseline="0" dirty="0" err="1"/>
               <a:t>Dataframe</a:t>
             </a:r>
             <a:r>
-              <a:rPr lang="en-US" baseline="0" dirty="0" smtClean="0"/>
+              <a:rPr lang="en-US" baseline="0" dirty="0"/>
               <a:t> into training and test </a:t>
             </a:r>
             <a:r>
-              <a:rPr lang="en-US" baseline="0" dirty="0" err="1" smtClean="0"/>
+              <a:rPr lang="en-US" baseline="0" dirty="0" err="1"/>
               <a:t>dataframes</a:t>
             </a:r>
             <a:r>
-              <a:rPr lang="en-US" baseline="0" dirty="0" smtClean="0"/>
+              <a:rPr lang="en-US" baseline="0" dirty="0"/>
               <a:t> (80%,20%). Now that we have transform all the features to numeric values and have select the features which correlates best with the </a:t>
             </a:r>
             <a:r>
-              <a:rPr lang="en-US" baseline="0" dirty="0" err="1" smtClean="0"/>
+              <a:rPr lang="en-US" baseline="0" dirty="0" err="1"/>
               <a:t>imdb</a:t>
             </a:r>
             <a:r>
-              <a:rPr lang="en-US" baseline="0" dirty="0" smtClean="0"/>
+              <a:rPr lang="en-US" baseline="0" dirty="0"/>
               <a:t> score feature we can create our </a:t>
             </a:r>
             <a:r>
-              <a:rPr lang="en-US" baseline="0" dirty="0" err="1" smtClean="0"/>
+              <a:rPr lang="en-US" baseline="0" dirty="0" err="1"/>
               <a:t>pipeline.Scala</a:t>
             </a:r>
             <a:r>
-              <a:rPr lang="en-US" baseline="0" dirty="0" smtClean="0"/>
+              <a:rPr lang="en-US" baseline="0" dirty="0"/>
               <a:t> provides as with the needed functions to transform our </a:t>
             </a:r>
             <a:r>
-              <a:rPr lang="en-US" baseline="0" dirty="0" err="1" smtClean="0"/>
+              <a:rPr lang="en-US" baseline="0" dirty="0" err="1"/>
               <a:t>dataframe</a:t>
             </a:r>
             <a:r>
-              <a:rPr lang="en-US" baseline="0" dirty="0" smtClean="0"/>
+              <a:rPr lang="en-US" baseline="0" dirty="0"/>
               <a:t> and provide it to the estimator.</a:t>
             </a:r>
-            <a:endParaRPr lang="el-GR" dirty="0" smtClean="0"/>
+            <a:endParaRPr lang="el-GR" dirty="0"/>
           </a:p>
           <a:p>
             <a:endParaRPr lang="el-GR" dirty="0"/>
@@ -7434,11 +7289,11 @@
           <a:lstStyle/>
           <a:p>
             <a:r>
-              <a:rPr lang="en-US" dirty="0" smtClean="0"/>
+              <a:rPr lang="en-US" dirty="0"/>
               <a:t>For the movie recommendations</a:t>
             </a:r>
             <a:r>
-              <a:rPr lang="en-US" baseline="0" dirty="0" smtClean="0"/>
+              <a:rPr lang="en-US" baseline="0" dirty="0"/>
               <a:t> we used Map and Reduce functions in our initial dataset(without the transformations)</a:t>
             </a:r>
             <a:endParaRPr lang="el-GR" dirty="0"/>
@@ -7526,11 +7381,11 @@
           <a:lstStyle/>
           <a:p>
             <a:r>
-              <a:rPr lang="en-US" dirty="0" smtClean="0"/>
+              <a:rPr lang="en-US" dirty="0"/>
               <a:t>Describe the</a:t>
             </a:r>
             <a:r>
-              <a:rPr lang="en-US" baseline="0" dirty="0" smtClean="0"/>
+              <a:rPr lang="en-US" baseline="0" dirty="0"/>
               <a:t> contents</a:t>
             </a:r>
             <a:endParaRPr lang="el-GR" dirty="0"/>
@@ -7618,11 +7473,11 @@
           <a:lstStyle/>
           <a:p>
             <a:r>
-              <a:rPr lang="en-US" dirty="0" smtClean="0"/>
+              <a:rPr lang="en-US" dirty="0"/>
               <a:t>Each year</a:t>
             </a:r>
             <a:r>
-              <a:rPr lang="en-US" baseline="0" dirty="0" smtClean="0"/>
+              <a:rPr lang="en-US" baseline="0" dirty="0"/>
               <a:t> hundreds new movie release. This makes viewers overwhelmed with information. Also video production studios would like to know if a movie could evolve into a commercial success, so they could invest money on it’s production. But how a movie studio could know if a movie is successful?</a:t>
             </a:r>
             <a:endParaRPr lang="el-GR" dirty="0"/>
@@ -7710,27 +7565,27 @@
           <a:lstStyle/>
           <a:p>
             <a:r>
-              <a:rPr lang="en-US" dirty="0" smtClean="0"/>
+              <a:rPr lang="en-US" dirty="0"/>
               <a:t>The commercial success of a  movie almost every time reflects on it’s </a:t>
             </a:r>
             <a:r>
-              <a:rPr lang="en-US" dirty="0" err="1" smtClean="0"/>
+              <a:rPr lang="en-US" dirty="0" err="1"/>
               <a:t>imdb</a:t>
             </a:r>
             <a:r>
-              <a:rPr lang="en-US" dirty="0" smtClean="0"/>
+              <a:rPr lang="en-US" dirty="0"/>
               <a:t> score. The </a:t>
             </a:r>
             <a:r>
-              <a:rPr lang="en-US" dirty="0" err="1" smtClean="0"/>
+              <a:rPr lang="en-US" dirty="0" err="1"/>
               <a:t>imdb</a:t>
             </a:r>
             <a:r>
-              <a:rPr lang="en-US" dirty="0" smtClean="0"/>
+              <a:rPr lang="en-US" dirty="0"/>
               <a:t> is the biggest movie database,</a:t>
             </a:r>
             <a:r>
-              <a:rPr lang="en-US" baseline="0" dirty="0" smtClean="0"/>
+              <a:rPr lang="en-US" baseline="0" dirty="0"/>
               <a:t> containing every movie ever released with information about it and an overall score. Viewers tend to watch the movies with the best scores, and a movie considered successful if it’s overall score is high. The greatest movies of all time tend to have overall scores above 8.</a:t>
             </a:r>
             <a:endParaRPr lang="el-GR" dirty="0"/>
@@ -7818,19 +7673,19 @@
           <a:lstStyle/>
           <a:p>
             <a:r>
-              <a:rPr lang="en-US" dirty="0" smtClean="0"/>
+              <a:rPr lang="en-US" dirty="0"/>
               <a:t>For the implementation of the previous we used a dataset provided by kaggle.com.</a:t>
             </a:r>
             <a:r>
-              <a:rPr lang="en-US" baseline="0" dirty="0" smtClean="0"/>
+              <a:rPr lang="en-US" baseline="0" dirty="0"/>
               <a:t> It contains 5000 movies with all their corresponding information. To make recommendations to the users we implemented an interface using Map and Reduce functions. To make </a:t>
             </a:r>
             <a:r>
-              <a:rPr lang="en-US" baseline="0" dirty="0" err="1" smtClean="0"/>
+              <a:rPr lang="en-US" baseline="0" dirty="0" err="1"/>
               <a:t>imdb</a:t>
             </a:r>
             <a:r>
-              <a:rPr lang="en-US" baseline="0" dirty="0" smtClean="0"/>
+              <a:rPr lang="en-US" baseline="0" dirty="0"/>
               <a:t> score prediction we used machine learning </a:t>
             </a:r>
             <a:endParaRPr lang="el-GR" dirty="0"/>
@@ -7918,19 +7773,19 @@
           <a:lstStyle/>
           <a:p>
             <a:r>
-              <a:rPr lang="en-US" dirty="0" smtClean="0"/>
+              <a:rPr lang="en-US" dirty="0"/>
               <a:t>The machine learning procedure seems very simple. *Describe the</a:t>
             </a:r>
             <a:r>
-              <a:rPr lang="en-US" baseline="0" dirty="0" smtClean="0"/>
+              <a:rPr lang="en-US" baseline="0" dirty="0"/>
               <a:t> figure</a:t>
             </a:r>
             <a:r>
-              <a:rPr lang="en-US" dirty="0" smtClean="0"/>
+              <a:rPr lang="en-US" dirty="0"/>
               <a:t>*. But because of the movies</a:t>
             </a:r>
             <a:r>
-              <a:rPr lang="en-US" baseline="0" dirty="0" smtClean="0"/>
+              <a:rPr lang="en-US" baseline="0" dirty="0"/>
               <a:t> characteristic this procedure is much more complicated than it seems.</a:t>
             </a:r>
             <a:endParaRPr lang="el-GR" dirty="0"/>
@@ -8018,35 +7873,35 @@
           <a:lstStyle/>
           <a:p>
             <a:r>
-              <a:rPr lang="en-US" dirty="0" smtClean="0"/>
+              <a:rPr lang="en-US" dirty="0"/>
               <a:t>Every movie has a release</a:t>
             </a:r>
             <a:r>
-              <a:rPr lang="en-US" baseline="0" dirty="0" smtClean="0"/>
+              <a:rPr lang="en-US" baseline="0" dirty="0"/>
               <a:t> year, budget, gross, social media likes and reviews. These features are numeric which can be used in a machine learning pipeline. Also a movie has a title, actors, producers and directors, </a:t>
             </a:r>
             <a:r>
-              <a:rPr lang="en-US" baseline="0" dirty="0" err="1" smtClean="0"/>
+              <a:rPr lang="en-US" baseline="0" dirty="0" err="1"/>
               <a:t>gernes</a:t>
             </a:r>
             <a:r>
-              <a:rPr lang="en-US" baseline="0" dirty="0" smtClean="0"/>
+              <a:rPr lang="en-US" baseline="0" dirty="0"/>
               <a:t> and descriptions which are </a:t>
             </a:r>
             <a:r>
-              <a:rPr lang="en-US" baseline="0" dirty="0" err="1" smtClean="0"/>
+              <a:rPr lang="en-US" baseline="0" dirty="0" err="1"/>
               <a:t>alpharithmetic</a:t>
             </a:r>
             <a:r>
-              <a:rPr lang="en-US" baseline="0" dirty="0" smtClean="0"/>
+              <a:rPr lang="en-US" baseline="0" dirty="0"/>
               <a:t> values. Unfortunately </a:t>
             </a:r>
             <a:r>
-              <a:rPr lang="en-US" baseline="0" dirty="0" err="1" smtClean="0"/>
+              <a:rPr lang="en-US" baseline="0" dirty="0" err="1"/>
               <a:t>alpharithmetic</a:t>
             </a:r>
             <a:r>
-              <a:rPr lang="en-US" baseline="0" dirty="0" smtClean="0"/>
+              <a:rPr lang="en-US" baseline="0" dirty="0"/>
               <a:t> values cannot be used in a machine learning pipeline</a:t>
             </a:r>
             <a:endParaRPr lang="el-GR" dirty="0"/>
@@ -8134,35 +7989,31 @@
           <a:lstStyle/>
           <a:p>
             <a:r>
-              <a:rPr lang="en-US" dirty="0" smtClean="0"/>
+              <a:rPr lang="en-US" dirty="0"/>
               <a:t>For that we use </a:t>
             </a:r>
             <a:r>
-              <a:rPr lang="en-US" dirty="0" err="1" smtClean="0"/>
+              <a:rPr lang="en-US" dirty="0" err="1"/>
               <a:t>StringIndexers</a:t>
             </a:r>
             <a:r>
-              <a:rPr lang="en-US" baseline="0" dirty="0" smtClean="0"/>
-              <a:t> to transform the String values to </a:t>
+              <a:rPr lang="en-US" baseline="0" dirty="0"/>
+              <a:t> to transform the String values to integers. Spark.ml provides us with the function </a:t>
             </a:r>
             <a:r>
-              <a:rPr lang="en-US" baseline="0" dirty="0" smtClean="0"/>
-              <a:t>integers. Spark.ml provides us with the function </a:t>
-            </a:r>
-            <a:r>
-              <a:rPr lang="en-US" baseline="0" dirty="0" err="1" smtClean="0"/>
+              <a:rPr lang="en-US" baseline="0" dirty="0" err="1"/>
               <a:t>StringIndexer</a:t>
             </a:r>
             <a:r>
-              <a:rPr lang="en-US" baseline="0" dirty="0" smtClean="0"/>
+              <a:rPr lang="en-US" baseline="0" dirty="0"/>
               <a:t>. The </a:t>
             </a:r>
             <a:r>
-              <a:rPr lang="en-US" baseline="0" dirty="0" err="1" smtClean="0"/>
+              <a:rPr lang="en-US" baseline="0" dirty="0" err="1"/>
               <a:t>StringIndexer</a:t>
             </a:r>
             <a:r>
-              <a:rPr lang="en-US" baseline="0" dirty="0" smtClean="0"/>
+              <a:rPr lang="en-US" baseline="0" dirty="0"/>
               <a:t> transforms a String column to a Numeric column so it could be used in a machine learning pipeline.</a:t>
             </a:r>
             <a:endParaRPr lang="el-GR" dirty="0"/>
@@ -8250,43 +8101,43 @@
           <a:lstStyle/>
           <a:p>
             <a:r>
-              <a:rPr lang="en-US" dirty="0" smtClean="0"/>
+              <a:rPr lang="en-US" dirty="0"/>
               <a:t>Our initial dataset we had 28 features. We</a:t>
             </a:r>
             <a:r>
-              <a:rPr lang="en-US" baseline="0" dirty="0" smtClean="0"/>
+              <a:rPr lang="en-US" baseline="0" dirty="0"/>
               <a:t> reduced the features to 17 because some features has no meaning in the </a:t>
             </a:r>
             <a:r>
-              <a:rPr lang="en-US" baseline="0" dirty="0" err="1" smtClean="0"/>
+              <a:rPr lang="en-US" baseline="0" dirty="0" err="1"/>
               <a:t>imdb</a:t>
             </a:r>
             <a:r>
-              <a:rPr lang="en-US" baseline="0" dirty="0" smtClean="0"/>
+              <a:rPr lang="en-US" baseline="0" dirty="0"/>
               <a:t> </a:t>
             </a:r>
             <a:r>
-              <a:rPr lang="en-US" baseline="0" dirty="0" err="1" smtClean="0"/>
+              <a:rPr lang="en-US" baseline="0" dirty="0" err="1"/>
               <a:t>socre</a:t>
             </a:r>
             <a:r>
-              <a:rPr lang="en-US" baseline="0" dirty="0" smtClean="0"/>
+              <a:rPr lang="en-US" baseline="0" dirty="0"/>
               <a:t> (</a:t>
             </a:r>
             <a:r>
-              <a:rPr lang="en-US" baseline="0" dirty="0" err="1" smtClean="0"/>
+              <a:rPr lang="en-US" baseline="0" dirty="0" err="1"/>
               <a:t>imdb_link</a:t>
             </a:r>
             <a:r>
-              <a:rPr lang="en-US" baseline="0" dirty="0" smtClean="0"/>
+              <a:rPr lang="en-US" baseline="0" dirty="0"/>
               <a:t> etc.). Then we correlate the remaining features and created a correlation matrix. In our correlation matrix we are interested in the features that correlates good with the </a:t>
             </a:r>
             <a:r>
-              <a:rPr lang="en-US" baseline="0" dirty="0" err="1" smtClean="0"/>
+              <a:rPr lang="en-US" baseline="0" dirty="0" err="1"/>
               <a:t>imdb</a:t>
             </a:r>
             <a:r>
-              <a:rPr lang="en-US" baseline="0" dirty="0" smtClean="0"/>
+              <a:rPr lang="en-US" baseline="0" dirty="0"/>
               <a:t> score feature.</a:t>
             </a:r>
             <a:endParaRPr lang="el-GR" dirty="0"/>
@@ -10203,7 +10054,7 @@
           </a:lstStyle>
           <a:p>
             <a:r>
-              <a:rPr lang="en-US" smtClean="0"/>
+              <a:rPr lang="en-US"/>
               <a:t>Click to edit Master title style</a:t>
             </a:r>
             <a:endParaRPr lang="en-US" dirty="0"/>
@@ -10277,10 +10128,9 @@
           </a:lstStyle>
           <a:p>
             <a:r>
-              <a:rPr lang="en-US" smtClean="0"/>
+              <a:rPr lang="en-US"/>
               <a:t>Click to edit Master subtitle style</a:t>
             </a:r>
-            <a:endParaRPr lang="en-US"/>
           </a:p>
         </p:txBody>
       </p:sp>
@@ -10373,10 +10223,9 @@
           <a:lstStyle/>
           <a:p>
             <a:r>
-              <a:rPr lang="en-US" smtClean="0"/>
+              <a:rPr lang="en-US"/>
               <a:t>Click to edit Master title style</a:t>
             </a:r>
-            <a:endParaRPr lang="en-US"/>
           </a:p>
         </p:txBody>
       </p:sp>
@@ -10397,38 +10246,37 @@
           <a:p>
             <a:pPr lvl="0"/>
             <a:r>
-              <a:rPr lang="en-US" smtClean="0"/>
+              <a:rPr lang="en-US"/>
               <a:t>Click to edit Master text styles</a:t>
             </a:r>
           </a:p>
           <a:p>
             <a:pPr lvl="1"/>
             <a:r>
-              <a:rPr lang="en-US" smtClean="0"/>
+              <a:rPr lang="en-US"/>
               <a:t>Second level</a:t>
             </a:r>
           </a:p>
           <a:p>
             <a:pPr lvl="2"/>
             <a:r>
-              <a:rPr lang="en-US" smtClean="0"/>
+              <a:rPr lang="en-US"/>
               <a:t>Third level</a:t>
             </a:r>
           </a:p>
           <a:p>
             <a:pPr lvl="3"/>
             <a:r>
-              <a:rPr lang="en-US" smtClean="0"/>
+              <a:rPr lang="en-US"/>
               <a:t>Fourth level</a:t>
             </a:r>
           </a:p>
           <a:p>
             <a:pPr lvl="4"/>
             <a:r>
-              <a:rPr lang="en-US" smtClean="0"/>
+              <a:rPr lang="en-US"/>
               <a:t>Fifth level</a:t>
             </a:r>
-            <a:endParaRPr lang="en-US"/>
           </a:p>
         </p:txBody>
       </p:sp>
@@ -10449,7 +10297,7 @@
           <a:p>
             <a:fld id="{384A29A4-78C8-47AB-BA06-22CB45938951}" type="datetime1">
               <a:rPr lang="en-US" smtClean="0"/>
-              <a:t>5/15/2017</a:t>
+              <a:t>5/16/2017</a:t>
             </a:fld>
             <a:endParaRPr lang="en-US"/>
           </a:p>
@@ -10560,7 +10408,7 @@
           <a:lstStyle/>
           <a:p>
             <a:r>
-              <a:rPr lang="en-US" smtClean="0"/>
+              <a:rPr lang="en-US"/>
               <a:t>Click to edit Master title style</a:t>
             </a:r>
             <a:endParaRPr lang="en-US" dirty="0"/>
@@ -10589,35 +10437,35 @@
           <a:p>
             <a:pPr lvl="0"/>
             <a:r>
-              <a:rPr lang="en-US" smtClean="0"/>
+              <a:rPr lang="en-US"/>
               <a:t>Click to edit Master text styles</a:t>
             </a:r>
           </a:p>
           <a:p>
             <a:pPr lvl="1"/>
             <a:r>
-              <a:rPr lang="en-US" smtClean="0"/>
+              <a:rPr lang="en-US"/>
               <a:t>Second level</a:t>
             </a:r>
           </a:p>
           <a:p>
             <a:pPr lvl="2"/>
             <a:r>
-              <a:rPr lang="en-US" smtClean="0"/>
+              <a:rPr lang="en-US"/>
               <a:t>Third level</a:t>
             </a:r>
           </a:p>
           <a:p>
             <a:pPr lvl="3"/>
             <a:r>
-              <a:rPr lang="en-US" smtClean="0"/>
+              <a:rPr lang="en-US"/>
               <a:t>Fourth level</a:t>
             </a:r>
           </a:p>
           <a:p>
             <a:pPr lvl="4"/>
             <a:r>
-              <a:rPr lang="en-US" smtClean="0"/>
+              <a:rPr lang="en-US"/>
               <a:t>Fifth level</a:t>
             </a:r>
             <a:endParaRPr lang="en-US" dirty="0"/>
@@ -10641,7 +10489,7 @@
           <a:p>
             <a:fld id="{E1ED4ACF-2D82-46F2-A8E9-23963AA34E86}" type="datetime1">
               <a:rPr lang="en-US" smtClean="0"/>
-              <a:t>5/15/2017</a:t>
+              <a:t>5/16/2017</a:t>
             </a:fld>
             <a:endParaRPr lang="en-US"/>
           </a:p>
@@ -10747,10 +10595,9 @@
           <a:lstStyle/>
           <a:p>
             <a:r>
-              <a:rPr lang="en-US" smtClean="0"/>
+              <a:rPr lang="en-US"/>
               <a:t>Click to edit Master title style</a:t>
             </a:r>
-            <a:endParaRPr lang="en-US"/>
           </a:p>
         </p:txBody>
       </p:sp>
@@ -10771,38 +10618,37 @@
           <a:p>
             <a:pPr lvl="0"/>
             <a:r>
-              <a:rPr lang="en-US" smtClean="0"/>
+              <a:rPr lang="en-US"/>
               <a:t>Click to edit Master text styles</a:t>
             </a:r>
           </a:p>
           <a:p>
             <a:pPr lvl="1"/>
             <a:r>
-              <a:rPr lang="en-US" smtClean="0"/>
+              <a:rPr lang="en-US"/>
               <a:t>Second level</a:t>
             </a:r>
           </a:p>
           <a:p>
             <a:pPr lvl="2"/>
             <a:r>
-              <a:rPr lang="en-US" smtClean="0"/>
+              <a:rPr lang="en-US"/>
               <a:t>Third level</a:t>
             </a:r>
           </a:p>
           <a:p>
             <a:pPr lvl="3"/>
             <a:r>
-              <a:rPr lang="en-US" smtClean="0"/>
+              <a:rPr lang="en-US"/>
               <a:t>Fourth level</a:t>
             </a:r>
           </a:p>
           <a:p>
             <a:pPr lvl="4"/>
             <a:r>
-              <a:rPr lang="en-US" smtClean="0"/>
+              <a:rPr lang="en-US"/>
               <a:t>Fifth level</a:t>
             </a:r>
-            <a:endParaRPr lang="en-US"/>
           </a:p>
         </p:txBody>
       </p:sp>
@@ -10823,7 +10669,7 @@
           <a:p>
             <a:fld id="{AE374B5B-21A0-4192-BF4C-38187F1A68D8}" type="datetime1">
               <a:rPr lang="en-US" smtClean="0"/>
-              <a:t>5/15/2017</a:t>
+              <a:t>5/16/2017</a:t>
             </a:fld>
             <a:endParaRPr lang="en-US"/>
           </a:p>
@@ -12791,7 +12637,7 @@
           </a:lstStyle>
           <a:p>
             <a:r>
-              <a:rPr lang="en-US" smtClean="0"/>
+              <a:rPr lang="en-US"/>
               <a:t>Click to edit Master title style</a:t>
             </a:r>
             <a:endParaRPr lang="en-US" dirty="0"/>
@@ -12866,7 +12712,7 @@
           <a:p>
             <a:pPr lvl="0"/>
             <a:r>
-              <a:rPr lang="en-US" smtClean="0"/>
+              <a:rPr lang="en-US"/>
               <a:t>Click to edit Master text styles</a:t>
             </a:r>
           </a:p>
@@ -12965,10 +12811,9 @@
           <a:lstStyle/>
           <a:p>
             <a:r>
-              <a:rPr lang="en-US" smtClean="0"/>
+              <a:rPr lang="en-US"/>
               <a:t>Click to edit Master title style</a:t>
             </a:r>
-            <a:endParaRPr lang="en-US"/>
           </a:p>
         </p:txBody>
       </p:sp>
@@ -13024,35 +12869,35 @@
           <a:p>
             <a:pPr lvl="0"/>
             <a:r>
-              <a:rPr lang="en-US" smtClean="0"/>
+              <a:rPr lang="en-US"/>
               <a:t>Click to edit Master text styles</a:t>
             </a:r>
           </a:p>
           <a:p>
             <a:pPr lvl="1"/>
             <a:r>
-              <a:rPr lang="en-US" smtClean="0"/>
+              <a:rPr lang="en-US"/>
               <a:t>Second level</a:t>
             </a:r>
           </a:p>
           <a:p>
             <a:pPr lvl="2"/>
             <a:r>
-              <a:rPr lang="en-US" smtClean="0"/>
+              <a:rPr lang="en-US"/>
               <a:t>Third level</a:t>
             </a:r>
           </a:p>
           <a:p>
             <a:pPr lvl="3"/>
             <a:r>
-              <a:rPr lang="en-US" smtClean="0"/>
+              <a:rPr lang="en-US"/>
               <a:t>Fourth level</a:t>
             </a:r>
           </a:p>
           <a:p>
             <a:pPr lvl="4"/>
             <a:r>
-              <a:rPr lang="en-US" smtClean="0"/>
+              <a:rPr lang="en-US"/>
               <a:t>Fifth level</a:t>
             </a:r>
             <a:endParaRPr lang="en-US" dirty="0"/>
@@ -13111,38 +12956,37 @@
           <a:p>
             <a:pPr lvl="0"/>
             <a:r>
-              <a:rPr lang="en-US" smtClean="0"/>
+              <a:rPr lang="en-US"/>
               <a:t>Click to edit Master text styles</a:t>
             </a:r>
           </a:p>
           <a:p>
             <a:pPr lvl="1"/>
             <a:r>
-              <a:rPr lang="en-US" smtClean="0"/>
+              <a:rPr lang="en-US"/>
               <a:t>Second level</a:t>
             </a:r>
           </a:p>
           <a:p>
             <a:pPr lvl="2"/>
             <a:r>
-              <a:rPr lang="en-US" smtClean="0"/>
+              <a:rPr lang="en-US"/>
               <a:t>Third level</a:t>
             </a:r>
           </a:p>
           <a:p>
             <a:pPr lvl="3"/>
             <a:r>
-              <a:rPr lang="en-US" smtClean="0"/>
+              <a:rPr lang="en-US"/>
               <a:t>Fourth level</a:t>
             </a:r>
           </a:p>
           <a:p>
             <a:pPr lvl="4"/>
             <a:r>
-              <a:rPr lang="en-US" smtClean="0"/>
+              <a:rPr lang="en-US"/>
               <a:t>Fifth level</a:t>
             </a:r>
-            <a:endParaRPr lang="en-US"/>
           </a:p>
         </p:txBody>
       </p:sp>
@@ -13163,7 +13007,7 @@
           <a:p>
             <a:fld id="{33B5CF7C-B333-48E1-A4A6-83A3C8B73AC0}" type="datetime1">
               <a:rPr lang="en-US" smtClean="0"/>
-              <a:t>5/15/2017</a:t>
+              <a:t>5/16/2017</a:t>
             </a:fld>
             <a:endParaRPr lang="en-US"/>
           </a:p>
@@ -13269,10 +13113,9 @@
           <a:lstStyle/>
           <a:p>
             <a:r>
-              <a:rPr lang="en-US" smtClean="0"/>
+              <a:rPr lang="en-US"/>
               <a:t>Click to edit Master title style</a:t>
             </a:r>
-            <a:endParaRPr lang="en-US"/>
           </a:p>
         </p:txBody>
       </p:sp>
@@ -13344,7 +13187,7 @@
           <a:p>
             <a:pPr lvl="0"/>
             <a:r>
-              <a:rPr lang="en-US" smtClean="0"/>
+              <a:rPr lang="en-US"/>
               <a:t>Click to edit Master text styles</a:t>
             </a:r>
           </a:p>
@@ -13402,35 +13245,35 @@
           <a:p>
             <a:pPr lvl="0"/>
             <a:r>
-              <a:rPr lang="en-US" smtClean="0"/>
+              <a:rPr lang="en-US"/>
               <a:t>Click to edit Master text styles</a:t>
             </a:r>
           </a:p>
           <a:p>
             <a:pPr lvl="1"/>
             <a:r>
-              <a:rPr lang="en-US" smtClean="0"/>
+              <a:rPr lang="en-US"/>
               <a:t>Second level</a:t>
             </a:r>
           </a:p>
           <a:p>
             <a:pPr lvl="2"/>
             <a:r>
-              <a:rPr lang="en-US" smtClean="0"/>
+              <a:rPr lang="en-US"/>
               <a:t>Third level</a:t>
             </a:r>
           </a:p>
           <a:p>
             <a:pPr lvl="3"/>
             <a:r>
-              <a:rPr lang="en-US" smtClean="0"/>
+              <a:rPr lang="en-US"/>
               <a:t>Fourth level</a:t>
             </a:r>
           </a:p>
           <a:p>
             <a:pPr lvl="4"/>
             <a:r>
-              <a:rPr lang="en-US" smtClean="0"/>
+              <a:rPr lang="en-US"/>
               <a:t>Fifth level</a:t>
             </a:r>
             <a:endParaRPr lang="en-US" dirty="0"/>
@@ -13505,7 +13348,7 @@
           <a:p>
             <a:pPr lvl="0"/>
             <a:r>
-              <a:rPr lang="en-US" smtClean="0"/>
+              <a:rPr lang="en-US"/>
               <a:t>Click to edit Master text styles</a:t>
             </a:r>
           </a:p>
@@ -13563,38 +13406,37 @@
           <a:p>
             <a:pPr lvl="0"/>
             <a:r>
-              <a:rPr lang="en-US" smtClean="0"/>
+              <a:rPr lang="en-US"/>
               <a:t>Click to edit Master text styles</a:t>
             </a:r>
           </a:p>
           <a:p>
             <a:pPr lvl="1"/>
             <a:r>
-              <a:rPr lang="en-US" smtClean="0"/>
+              <a:rPr lang="en-US"/>
               <a:t>Second level</a:t>
             </a:r>
           </a:p>
           <a:p>
             <a:pPr lvl="2"/>
             <a:r>
-              <a:rPr lang="en-US" smtClean="0"/>
+              <a:rPr lang="en-US"/>
               <a:t>Third level</a:t>
             </a:r>
           </a:p>
           <a:p>
             <a:pPr lvl="3"/>
             <a:r>
-              <a:rPr lang="en-US" smtClean="0"/>
+              <a:rPr lang="en-US"/>
               <a:t>Fourth level</a:t>
             </a:r>
           </a:p>
           <a:p>
             <a:pPr lvl="4"/>
             <a:r>
-              <a:rPr lang="en-US" smtClean="0"/>
+              <a:rPr lang="en-US"/>
               <a:t>Fifth level</a:t>
             </a:r>
-            <a:endParaRPr lang="en-US"/>
           </a:p>
         </p:txBody>
       </p:sp>
@@ -13615,7 +13457,7 @@
           <a:p>
             <a:fld id="{AE320762-5CBF-4210-AB54-376B091119F8}" type="datetime1">
               <a:rPr lang="en-US" smtClean="0"/>
-              <a:t>5/15/2017</a:t>
+              <a:t>5/16/2017</a:t>
             </a:fld>
             <a:endParaRPr lang="en-US"/>
           </a:p>
@@ -13721,10 +13563,9 @@
           <a:lstStyle/>
           <a:p>
             <a:r>
-              <a:rPr lang="en-US" smtClean="0"/>
+              <a:rPr lang="en-US"/>
               <a:t>Click to edit Master title style</a:t>
             </a:r>
-            <a:endParaRPr lang="en-US"/>
           </a:p>
         </p:txBody>
       </p:sp>
@@ -13745,7 +13586,7 @@
           <a:p>
             <a:fld id="{7F0DB371-BF5F-4058-A212-1A908E4D2674}" type="datetime1">
               <a:rPr lang="en-US" smtClean="0"/>
-              <a:t>5/15/2017</a:t>
+              <a:t>5/16/2017</a:t>
             </a:fld>
             <a:endParaRPr lang="en-US"/>
           </a:p>
@@ -15675,7 +15516,7 @@
           <a:p>
             <a:fld id="{60A4083B-90AA-48CF-BAD5-00AA24D7F288}" type="datetime1">
               <a:rPr lang="en-US" smtClean="0"/>
-              <a:t>5/15/2017</a:t>
+              <a:t>5/16/2017</a:t>
             </a:fld>
             <a:endParaRPr lang="en-US"/>
           </a:p>
@@ -17702,7 +17543,7 @@
           </a:lstStyle>
           <a:p>
             <a:r>
-              <a:rPr lang="en-US" smtClean="0"/>
+              <a:rPr lang="en-US"/>
               <a:t>Click to edit Master title style</a:t>
             </a:r>
             <a:endParaRPr lang="en-US" dirty="0"/>
@@ -17761,35 +17602,35 @@
           <a:p>
             <a:pPr lvl="0"/>
             <a:r>
-              <a:rPr lang="en-US" smtClean="0"/>
+              <a:rPr lang="en-US"/>
               <a:t>Click to edit Master text styles</a:t>
             </a:r>
           </a:p>
           <a:p>
             <a:pPr lvl="1"/>
             <a:r>
-              <a:rPr lang="en-US" smtClean="0"/>
+              <a:rPr lang="en-US"/>
               <a:t>Second level</a:t>
             </a:r>
           </a:p>
           <a:p>
             <a:pPr lvl="2"/>
             <a:r>
-              <a:rPr lang="en-US" smtClean="0"/>
+              <a:rPr lang="en-US"/>
               <a:t>Third level</a:t>
             </a:r>
           </a:p>
           <a:p>
             <a:pPr lvl="3"/>
             <a:r>
-              <a:rPr lang="en-US" smtClean="0"/>
+              <a:rPr lang="en-US"/>
               <a:t>Fourth level</a:t>
             </a:r>
           </a:p>
           <a:p>
             <a:pPr lvl="4"/>
             <a:r>
-              <a:rPr lang="en-US" smtClean="0"/>
+              <a:rPr lang="en-US"/>
               <a:t>Fifth level</a:t>
             </a:r>
             <a:endParaRPr lang="en-US" dirty="0"/>
@@ -17864,7 +17705,7 @@
           <a:p>
             <a:pPr lvl="0"/>
             <a:r>
-              <a:rPr lang="en-US" smtClean="0"/>
+              <a:rPr lang="en-US"/>
               <a:t>Click to edit Master text styles</a:t>
             </a:r>
           </a:p>
@@ -17922,7 +17763,7 @@
           <a:p>
             <a:fld id="{F5BAF629-ECA2-4CF3-B790-9D9BDED98269}" type="datetime1">
               <a:rPr lang="en-US" smtClean="0"/>
-              <a:t>5/15/2017</a:t>
+              <a:t>5/16/2017</a:t>
             </a:fld>
             <a:endParaRPr lang="en-US"/>
           </a:p>
@@ -19978,10 +19819,9 @@
           </a:lstStyle>
           <a:p>
             <a:r>
-              <a:rPr lang="en-US" smtClean="0"/>
+              <a:rPr lang="en-US"/>
               <a:t>Click icon to add picture</a:t>
             </a:r>
-            <a:endParaRPr lang="en-US"/>
           </a:p>
         </p:txBody>
       </p:sp>
@@ -20051,10 +19891,9 @@
           </a:lstStyle>
           <a:p>
             <a:r>
-              <a:rPr lang="en-US" smtClean="0"/>
+              <a:rPr lang="en-US"/>
               <a:t>Click to edit Master title style</a:t>
             </a:r>
-            <a:endParaRPr lang="en-US"/>
           </a:p>
         </p:txBody>
       </p:sp>
@@ -20124,7 +19963,7 @@
           <a:p>
             <a:pPr lvl="0"/>
             <a:r>
-              <a:rPr lang="en-US" smtClean="0"/>
+              <a:rPr lang="en-US"/>
               <a:t>Click to edit Master text styles</a:t>
             </a:r>
           </a:p>
@@ -22046,7 +21885,7 @@
           <a:lstStyle/>
           <a:p>
             <a:r>
-              <a:rPr lang="en-US" smtClean="0"/>
+              <a:rPr lang="en-US"/>
               <a:t>Click to edit Master title style</a:t>
             </a:r>
             <a:endParaRPr lang="en-US" dirty="0"/>
@@ -22080,38 +21919,38 @@
           <a:p>
             <a:pPr lvl="0"/>
             <a:r>
-              <a:rPr lang="en-US" smtClean="0"/>
+              <a:rPr lang="en-US"/>
               <a:t>Click to edit Master text styles</a:t>
             </a:r>
           </a:p>
           <a:p>
             <a:pPr lvl="1"/>
             <a:r>
-              <a:rPr lang="en-US" smtClean="0"/>
+              <a:rPr lang="en-US"/>
               <a:t>Second level</a:t>
             </a:r>
           </a:p>
           <a:p>
             <a:pPr lvl="2"/>
             <a:r>
-              <a:rPr lang="en-US" smtClean="0"/>
+              <a:rPr lang="en-US"/>
               <a:t>Third level</a:t>
             </a:r>
           </a:p>
           <a:p>
             <a:pPr lvl="3"/>
             <a:r>
-              <a:rPr lang="en-US" smtClean="0"/>
+              <a:rPr lang="en-US"/>
               <a:t>Fourth level</a:t>
             </a:r>
           </a:p>
           <a:p>
             <a:pPr lvl="4"/>
             <a:r>
-              <a:rPr lang="en-US" smtClean="0"/>
+              <a:rPr lang="en-US"/>
               <a:t>Fifth level</a:t>
             </a:r>
-            <a:endParaRPr lang="en-US" dirty="0" smtClean="0"/>
+            <a:endParaRPr lang="en-US" dirty="0"/>
           </a:p>
         </p:txBody>
       </p:sp>
@@ -22151,7 +21990,7 @@
           <a:p>
             <a:fld id="{B51B2453-8663-4C69-AF73-9FD7B1DEC5D0}" type="datetime1">
               <a:rPr lang="en-US" smtClean="0"/>
-              <a:t>5/15/2017</a:t>
+              <a:t>5/16/2017</a:t>
             </a:fld>
             <a:endParaRPr lang="en-US"/>
           </a:p>
@@ -22680,15 +22519,7 @@
             <a:pPr algn="ctr"/>
             <a:r>
               <a:rPr lang="en-US" sz="4000" dirty="0"/>
-              <a:t>RIPLE: Movie Recommendation and </a:t>
-            </a:r>
-            <a:r>
-              <a:rPr lang="en-US" sz="4000" dirty="0" err="1"/>
-              <a:t>Imdb</a:t>
-            </a:r>
-            <a:r>
-              <a:rPr lang="en-US" sz="4000" dirty="0"/>
-              <a:t> Score Prediction using Machine Learning</a:t>
+              <a:t>RIPLE: Movie Recommendation and IMDb Score Prediction using Machine Learning</a:t>
             </a:r>
           </a:p>
         </p:txBody>
@@ -22709,31 +22540,31 @@
           <a:lstStyle/>
           <a:p>
             <a:r>
-              <a:rPr lang="en-US" dirty="0" err="1" smtClean="0"/>
+              <a:rPr lang="en-US" dirty="0" err="1"/>
               <a:t>Michail</a:t>
             </a:r>
             <a:r>
-              <a:rPr lang="en-US" dirty="0" smtClean="0"/>
+              <a:rPr lang="en-US" dirty="0"/>
               <a:t> G. </a:t>
             </a:r>
             <a:r>
-              <a:rPr lang="en-US" dirty="0" err="1" smtClean="0"/>
+              <a:rPr lang="en-US" dirty="0" err="1"/>
               <a:t>Pachilakis</a:t>
             </a:r>
             <a:r>
-              <a:rPr lang="en-US" dirty="0" smtClean="0"/>
+              <a:rPr lang="en-US" dirty="0"/>
               <a:t>					</a:t>
             </a:r>
             <a:r>
-              <a:rPr lang="en-US" dirty="0" err="1" smtClean="0"/>
+              <a:rPr lang="en-US" dirty="0" err="1"/>
               <a:t>Iordanis</a:t>
             </a:r>
             <a:r>
-              <a:rPr lang="en-US" dirty="0" smtClean="0"/>
+              <a:rPr lang="en-US" dirty="0"/>
               <a:t> P. </a:t>
             </a:r>
             <a:r>
-              <a:rPr lang="en-US" dirty="0" err="1" smtClean="0"/>
+              <a:rPr lang="en-US" dirty="0" err="1"/>
               <a:t>Xanthopoulos</a:t>
             </a:r>
             <a:endParaRPr lang="en-US" dirty="0"/>
@@ -22762,13 +22593,6 @@
       </p:transition>
     </mc:Fallback>
   </mc:AlternateContent>
-  <p:timing>
-    <p:tnLst>
-      <p:par>
-        <p:cTn id="1" dur="indefinite" restart="never" nodeType="tmRoot"/>
-      </p:par>
-    </p:tnLst>
-  </p:timing>
 </p:sld>
 </file>
 
@@ -22806,8 +22630,8 @@
           <a:p>
             <a:pPr algn="ctr"/>
             <a:r>
-              <a:rPr lang="en-US" dirty="0" smtClean="0"/>
-              <a:t>Implementation (predictions	)</a:t>
+              <a:rPr lang="en-US" dirty="0"/>
+              <a:t>Implementation (predictions)</a:t>
             </a:r>
             <a:endParaRPr lang="el-GR" dirty="0"/>
           </a:p>
@@ -22832,7 +22656,7 @@
               <a:buNone/>
             </a:pPr>
             <a:r>
-              <a:rPr lang="en-US" sz="4000" dirty="0" smtClean="0"/>
+              <a:rPr lang="en-US" sz="4000" dirty="0"/>
               <a:t>Correlation</a:t>
             </a:r>
           </a:p>
@@ -22842,7 +22666,7 @@
             </a:pPr>
             <a:r>
               <a:rPr lang="en-US" dirty="0"/>
-              <a:t>Correlation is a statistical technique that can show whether and how strongly pairs of </a:t>
+              <a:t>Correlation is a statistical technique that can show if and how strongly pairs of </a:t>
             </a:r>
             <a:r>
               <a:rPr lang="en-US" b="1" dirty="0"/>
@@ -22850,11 +22674,7 @@
             </a:r>
             <a:r>
               <a:rPr lang="en-US" dirty="0"/>
-              <a:t> are </a:t>
-            </a:r>
-            <a:r>
-              <a:rPr lang="en-US" dirty="0" smtClean="0"/>
-              <a:t>related.</a:t>
+              <a:t> are related.</a:t>
             </a:r>
           </a:p>
           <a:p>
@@ -22863,15 +22683,7 @@
             </a:pPr>
             <a:r>
               <a:rPr lang="en-US" dirty="0"/>
-              <a:t>The default is </a:t>
-            </a:r>
-            <a:r>
-              <a:rPr lang="en-US" dirty="0" err="1"/>
-              <a:t>pearson</a:t>
-            </a:r>
-            <a:r>
-              <a:rPr lang="en-US" dirty="0"/>
-              <a:t> </a:t>
+              <a:t>The default is Pearson </a:t>
             </a:r>
             <a:r>
               <a:rPr lang="en-US" b="1" dirty="0"/>
@@ -22879,9 +22691,8 @@
             </a:r>
             <a:r>
               <a:rPr lang="en-US" dirty="0"/>
-              <a:t> coefficient which measures the linear dependence between two variables.</a:t>
+              <a:t> coefficient, which measures the linear dependence between two variables.</a:t>
             </a:r>
-            <a:endParaRPr lang="en-US" dirty="0" smtClean="0"/>
           </a:p>
           <a:p>
             <a:pPr algn="ctr"/>
@@ -22911,13 +22722,6 @@
       </p:transition>
     </mc:Fallback>
   </mc:AlternateContent>
-  <p:timing>
-    <p:tnLst>
-      <p:par>
-        <p:cTn id="1" dur="indefinite" restart="never" nodeType="tmRoot"/>
-      </p:par>
-    </p:tnLst>
-  </p:timing>
 </p:sld>
 </file>
 
@@ -22955,7 +22759,7 @@
           <a:p>
             <a:pPr algn="ctr"/>
             <a:r>
-              <a:rPr lang="en-US" dirty="0" smtClean="0"/>
+              <a:rPr lang="en-US" dirty="0"/>
               <a:t>Implementation (predictions)</a:t>
             </a:r>
             <a:endParaRPr lang="el-GR" dirty="0"/>
@@ -23013,13 +22817,6 @@
       </p:transition>
     </mc:Fallback>
   </mc:AlternateContent>
-  <p:timing>
-    <p:tnLst>
-      <p:par>
-        <p:cTn id="1" dur="indefinite" restart="never" nodeType="tmRoot"/>
-      </p:par>
-    </p:tnLst>
-  </p:timing>
 </p:sld>
 </file>
 
@@ -23057,7 +22854,7 @@
           <a:p>
             <a:pPr algn="ctr"/>
             <a:r>
-              <a:rPr lang="en-US" dirty="0" smtClean="0"/>
+              <a:rPr lang="en-US" dirty="0"/>
               <a:t>Implementation (predictions)</a:t>
             </a:r>
             <a:endParaRPr lang="el-GR" dirty="0"/>
@@ -23161,13 +22958,6 @@
       </p:transition>
     </mc:Fallback>
   </mc:AlternateContent>
-  <p:timing>
-    <p:tnLst>
-      <p:par>
-        <p:cTn id="1" dur="indefinite" restart="never" nodeType="tmRoot"/>
-      </p:par>
-    </p:tnLst>
-  </p:timing>
 </p:sld>
 </file>
 
@@ -23205,10 +22995,9 @@
           <a:p>
             <a:pPr algn="ctr"/>
             <a:r>
-              <a:rPr lang="en-US" dirty="0" smtClean="0"/>
+              <a:rPr lang="en-US" dirty="0"/>
               <a:t>Implementation (predictions)</a:t>
             </a:r>
-            <a:endParaRPr lang="en-US" dirty="0"/>
           </a:p>
         </p:txBody>
       </p:sp>
@@ -23222,7 +23011,7 @@
             <p:ph idx="1"/>
             <p:extLst>
               <p:ext uri="{D42A27DB-BD31-4B8C-83A1-F6EECF244321}">
-                <p14:modId xmlns:p14="http://schemas.microsoft.com/office/powerpoint/2010/main" val="4257659699"/>
+                <p14:modId xmlns:p14="http://schemas.microsoft.com/office/powerpoint/2010/main" val="4266970786"/>
               </p:ext>
             </p:extLst>
           </p:nvPr>
@@ -24157,7 +23946,7 @@
           <a:p>
             <a:pPr algn="ctr"/>
             <a:r>
-              <a:rPr lang="en-US" dirty="0" smtClean="0"/>
+              <a:rPr lang="en-US" dirty="0"/>
               <a:t>Implementation (recommendations)</a:t>
             </a:r>
             <a:endParaRPr lang="el-GR" dirty="0"/>
@@ -24180,40 +23969,32 @@
           <a:lstStyle/>
           <a:p>
             <a:r>
-              <a:rPr lang="en-US" dirty="0" err="1" smtClean="0"/>
+              <a:rPr lang="en-US" dirty="0" err="1"/>
               <a:t>BestMoviesInCategory</a:t>
             </a:r>
             <a:r>
-              <a:rPr lang="en-US" dirty="0" smtClean="0"/>
-              <a:t> : Given a specific </a:t>
-            </a:r>
-            <a:r>
-              <a:rPr lang="en-US" dirty="0" err="1" smtClean="0"/>
-              <a:t>catecory</a:t>
-            </a:r>
-            <a:r>
-              <a:rPr lang="en-US" dirty="0" smtClean="0"/>
-              <a:t> return the top ten movies </a:t>
+              <a:rPr lang="en-US" dirty="0"/>
+              <a:t> : Given a specific category, returns the top ten movies. </a:t>
             </a:r>
           </a:p>
           <a:p>
             <a:r>
-              <a:rPr lang="en-US" dirty="0" err="1" smtClean="0"/>
+              <a:rPr lang="en-US" dirty="0" err="1"/>
               <a:t>findTopTen</a:t>
             </a:r>
             <a:r>
-              <a:rPr lang="en-US" dirty="0" smtClean="0"/>
-              <a:t>		  : Given a specific category, language and protagonist 				    name returns the top ten movies</a:t>
+              <a:rPr lang="en-US" dirty="0"/>
+              <a:t>		  : Given a specific category, language and protagonist 				    name, returns the top ten movies.</a:t>
             </a:r>
           </a:p>
           <a:p>
             <a:r>
-              <a:rPr lang="en-US" dirty="0" err="1" smtClean="0"/>
+              <a:rPr lang="en-US" dirty="0" err="1"/>
               <a:t>findTitle</a:t>
             </a:r>
             <a:r>
-              <a:rPr lang="en-US" dirty="0" smtClean="0"/>
-              <a:t>		  : Given features as category, language, protagonist name 			    and directors name returns the name of the 					    corresponding movies</a:t>
+              <a:rPr lang="en-US" dirty="0"/>
+              <a:t>		  : Given features such as category, language, protagonist 			    name and directors name, returns the names of the 				    corresponding movies.</a:t>
             </a:r>
             <a:endParaRPr lang="el-GR" dirty="0"/>
           </a:p>
@@ -24241,13 +24022,6 @@
       </p:transition>
     </mc:Fallback>
   </mc:AlternateContent>
-  <p:timing>
-    <p:tnLst>
-      <p:par>
-        <p:cTn id="1" dur="indefinite" restart="never" nodeType="tmRoot"/>
-      </p:par>
-    </p:tnLst>
-  </p:timing>
 </p:sld>
 </file>
 
@@ -24285,7 +24059,7 @@
           <a:p>
             <a:pPr algn="ctr"/>
             <a:r>
-              <a:rPr lang="en-US" dirty="0" smtClean="0"/>
+              <a:rPr lang="en-US" dirty="0"/>
               <a:t>Implementation (statistics)	</a:t>
             </a:r>
             <a:endParaRPr lang="el-GR" dirty="0"/>
@@ -24308,36 +24082,32 @@
           <a:lstStyle/>
           <a:p>
             <a:r>
-              <a:rPr lang="en-US" dirty="0" err="1" smtClean="0"/>
+              <a:rPr lang="en-US" dirty="0" err="1"/>
               <a:t>GreatMovieStatistics</a:t>
             </a:r>
             <a:r>
-              <a:rPr lang="en-US" dirty="0" smtClean="0"/>
-              <a:t> :  Returns the percentage of movies with score above 8</a:t>
+              <a:rPr lang="en-US" dirty="0"/>
+              <a:t> :  Returns the percentage of movies with a score of 8 or 				 more.</a:t>
             </a:r>
           </a:p>
           <a:p>
             <a:r>
-              <a:rPr lang="en-US" dirty="0" err="1" smtClean="0"/>
+              <a:rPr lang="en-US" dirty="0" err="1"/>
               <a:t>DirectorStatistics</a:t>
             </a:r>
             <a:r>
-              <a:rPr lang="en-US" dirty="0" smtClean="0"/>
-              <a:t>       :  Returns the percentage of movies of a specific director</a:t>
+              <a:rPr lang="en-US" dirty="0"/>
+              <a:t>       :  Returns the percentage of movies of a specific director.</a:t>
             </a:r>
           </a:p>
           <a:p>
             <a:r>
-              <a:rPr lang="en-US" dirty="0" err="1" smtClean="0"/>
+              <a:rPr lang="en-US" dirty="0" err="1"/>
               <a:t>GerneStatistics</a:t>
             </a:r>
             <a:r>
-              <a:rPr lang="en-US" dirty="0" smtClean="0"/>
-              <a:t>          :  Returns the percentage of movies of a specific </a:t>
-            </a:r>
-            <a:r>
-              <a:rPr lang="en-US" dirty="0" err="1" smtClean="0"/>
-              <a:t>gerne</a:t>
+              <a:rPr lang="en-US" dirty="0"/>
+              <a:t>          :  Returns the percentage of movies of a specific genre.</a:t>
             </a:r>
             <a:endParaRPr lang="el-GR" dirty="0"/>
           </a:p>
@@ -24365,13 +24135,6 @@
       </p:transition>
     </mc:Fallback>
   </mc:AlternateContent>
-  <p:timing>
-    <p:tnLst>
-      <p:par>
-        <p:cTn id="1" dur="indefinite" restart="never" nodeType="tmRoot"/>
-      </p:par>
-    </p:tnLst>
-  </p:timing>
 </p:sld>
 </file>
 
@@ -24409,7 +24172,7 @@
           <a:p>
             <a:pPr algn="ctr"/>
             <a:r>
-              <a:rPr lang="en-US" dirty="0" smtClean="0"/>
+              <a:rPr lang="en-US" dirty="0"/>
               <a:t>Results</a:t>
             </a:r>
             <a:endParaRPr lang="el-GR" dirty="0"/>
@@ -24432,36 +24195,35 @@
           <a:lstStyle/>
           <a:p>
             <a:r>
-              <a:rPr lang="en-US" dirty="0" smtClean="0"/>
-              <a:t>To evaluate our model we used the “</a:t>
+              <a:rPr lang="en-US" dirty="0"/>
+              <a:t>To evaluate our model, we used the “</a:t>
             </a:r>
             <a:r>
-              <a:rPr lang="en-US" dirty="0" err="1" smtClean="0"/>
+              <a:rPr lang="en-US" dirty="0" err="1"/>
               <a:t>RegressionEvaluator</a:t>
             </a:r>
             <a:r>
-              <a:rPr lang="en-US" dirty="0" smtClean="0"/>
+              <a:rPr lang="en-US" dirty="0"/>
               <a:t>”.</a:t>
             </a:r>
           </a:p>
           <a:p>
             <a:r>
-              <a:rPr lang="en-US" dirty="0" smtClean="0"/>
+              <a:rPr lang="en-US" dirty="0"/>
               <a:t>Our RMSE was 1.02. </a:t>
             </a:r>
           </a:p>
           <a:p>
             <a:r>
-              <a:rPr lang="en-US" dirty="0" smtClean="0"/>
-              <a:t>We compared our model with another model which uses different features for the movie predictions but the same dataset. </a:t>
+              <a:rPr lang="en-US" dirty="0"/>
+              <a:t>We compared our model with another one, which uses different features for the movie predictions but the same dataset. </a:t>
             </a:r>
           </a:p>
           <a:p>
             <a:r>
-              <a:rPr lang="en-US" dirty="0" smtClean="0"/>
+              <a:rPr lang="en-US" dirty="0"/>
               <a:t>The other model’s RMSE, in our pipeline, was 1.04.</a:t>
             </a:r>
-            <a:endParaRPr lang="en-US" dirty="0"/>
           </a:p>
         </p:txBody>
       </p:sp>
@@ -24487,13 +24249,6 @@
       </p:transition>
     </mc:Fallback>
   </mc:AlternateContent>
-  <p:timing>
-    <p:tnLst>
-      <p:par>
-        <p:cTn id="1" dur="indefinite" restart="never" nodeType="tmRoot"/>
-      </p:par>
-    </p:tnLst>
-  </p:timing>
 </p:sld>
 </file>
 
@@ -24531,7 +24286,7 @@
           <a:p>
             <a:pPr algn="ctr"/>
             <a:r>
-              <a:rPr lang="en-US" dirty="0" smtClean="0"/>
+              <a:rPr lang="en-US" dirty="0"/>
               <a:t>Conclusion</a:t>
             </a:r>
             <a:endParaRPr lang="el-GR" dirty="0"/>
@@ -24554,32 +24309,20 @@
           <a:lstStyle/>
           <a:p>
             <a:r>
-              <a:rPr lang="en-US" dirty="0" smtClean="0"/>
-              <a:t>We predict efficiently the </a:t>
-            </a:r>
-            <a:r>
-              <a:rPr lang="en-US" dirty="0" err="1" smtClean="0"/>
-              <a:t>imdb</a:t>
-            </a:r>
-            <a:r>
-              <a:rPr lang="en-US" dirty="0" smtClean="0"/>
-              <a:t> score of a movie.</a:t>
+              <a:rPr lang="en-US" dirty="0"/>
+              <a:t>We predict efficiently the IMDb score of a movie.</a:t>
             </a:r>
           </a:p>
           <a:p>
             <a:r>
-              <a:rPr lang="en-US" dirty="0" smtClean="0"/>
-              <a:t>We provided an interface to the viewers to find easier movies for their taste.</a:t>
+              <a:rPr lang="en-US" dirty="0"/>
+              <a:t>We provide an interface to the viewers, so that they can find movies similar to their taste.</a:t>
             </a:r>
           </a:p>
           <a:p>
             <a:r>
-              <a:rPr lang="en-US" dirty="0" smtClean="0"/>
-              <a:t>We provided an interface to extract statistics about the movies in </a:t>
-            </a:r>
-            <a:r>
-              <a:rPr lang="en-US" smtClean="0"/>
-              <a:t>a dataset.</a:t>
+              <a:rPr lang="en-US" dirty="0"/>
+              <a:t>We provide an interface to extract statistics about the movies of a dataset.</a:t>
             </a:r>
           </a:p>
           <a:p>
@@ -24612,13 +24355,6 @@
       </p:transition>
     </mc:Fallback>
   </mc:AlternateContent>
-  <p:timing>
-    <p:tnLst>
-      <p:par>
-        <p:cTn id="1" dur="indefinite" restart="never" nodeType="tmRoot"/>
-      </p:par>
-    </p:tnLst>
-  </p:timing>
 </p:sld>
 </file>
 
@@ -24656,10 +24392,9 @@
           <a:p>
             <a:pPr algn="ctr"/>
             <a:r>
-              <a:rPr lang="en-US" dirty="0" smtClean="0"/>
+              <a:rPr lang="en-US" dirty="0"/>
               <a:t>Thank you!</a:t>
             </a:r>
-            <a:endParaRPr lang="en-US" dirty="0"/>
           </a:p>
         </p:txBody>
       </p:sp>
@@ -24704,112 +24439,6 @@
       </p:transition>
     </mc:Fallback>
   </mc:AlternateContent>
-  <p:timing>
-    <p:tnLst>
-      <p:par>
-        <p:cTn id="1" dur="indefinite" restart="never" nodeType="tmRoot"/>
-      </p:par>
-    </p:tnLst>
-  </p:timing>
-</p:sld>
-</file>
-
-<file path=ppt/slides/slide19.xml><?xml version="1.0" encoding="utf-8"?>
-<p:sld xmlns:a="http://schemas.openxmlformats.org/drawingml/2006/main" xmlns:r="http://schemas.openxmlformats.org/officeDocument/2006/relationships" xmlns:p="http://schemas.openxmlformats.org/presentationml/2006/main">
-  <p:cSld>
-    <p:spTree>
-      <p:nvGrpSpPr>
-        <p:cNvPr id="1" name=""/>
-        <p:cNvGrpSpPr/>
-        <p:nvPr/>
-      </p:nvGrpSpPr>
-      <p:grpSpPr>
-        <a:xfrm>
-          <a:off x="0" y="0"/>
-          <a:ext cx="0" cy="0"/>
-          <a:chOff x="0" y="0"/>
-          <a:chExt cx="0" cy="0"/>
-        </a:xfrm>
-      </p:grpSpPr>
-      <p:sp>
-        <p:nvSpPr>
-          <p:cNvPr id="2" name="Picture Placeholder 1"/>
-          <p:cNvSpPr>
-            <a:spLocks noGrp="1"/>
-          </p:cNvSpPr>
-          <p:nvPr>
-            <p:ph type="pic" idx="1"/>
-          </p:nvPr>
-        </p:nvSpPr>
-        <p:spPr/>
-      </p:sp>
-      <p:sp>
-        <p:nvSpPr>
-          <p:cNvPr id="3" name="Title 2"/>
-          <p:cNvSpPr>
-            <a:spLocks noGrp="1"/>
-          </p:cNvSpPr>
-          <p:nvPr>
-            <p:ph type="title"/>
-          </p:nvPr>
-        </p:nvSpPr>
-        <p:spPr/>
-        <p:txBody>
-          <a:bodyPr/>
-          <a:lstStyle/>
-          <a:p>
-            <a:endParaRPr lang="en-US"/>
-          </a:p>
-        </p:txBody>
-      </p:sp>
-      <p:sp>
-        <p:nvSpPr>
-          <p:cNvPr id="4" name="Text Placeholder 3"/>
-          <p:cNvSpPr>
-            <a:spLocks noGrp="1"/>
-          </p:cNvSpPr>
-          <p:nvPr>
-            <p:ph type="body" sz="half" idx="2"/>
-          </p:nvPr>
-        </p:nvSpPr>
-        <p:spPr/>
-        <p:txBody>
-          <a:bodyPr/>
-          <a:lstStyle/>
-          <a:p>
-            <a:endParaRPr lang="en-US"/>
-          </a:p>
-        </p:txBody>
-      </p:sp>
-    </p:spTree>
-    <p:extLst>
-      <p:ext uri="{BB962C8B-B14F-4D97-AF65-F5344CB8AC3E}">
-        <p14:creationId xmlns:p14="http://schemas.microsoft.com/office/powerpoint/2010/main" val="2794409471"/>
-      </p:ext>
-    </p:extLst>
-  </p:cSld>
-  <p:clrMapOvr>
-    <a:masterClrMapping/>
-  </p:clrMapOvr>
-  <mc:AlternateContent xmlns:mc="http://schemas.openxmlformats.org/markup-compatibility/2006" xmlns:p14="http://schemas.microsoft.com/office/powerpoint/2010/main">
-    <mc:Choice Requires="p14">
-      <p:transition spd="med" p14:dur="700">
-        <p:fade/>
-      </p:transition>
-    </mc:Choice>
-    <mc:Fallback xmlns="">
-      <p:transition spd="med">
-        <p:fade/>
-      </p:transition>
-    </mc:Fallback>
-  </mc:AlternateContent>
-  <p:timing>
-    <p:tnLst>
-      <p:par>
-        <p:cTn id="1" dur="indefinite" restart="never" nodeType="tmRoot"/>
-      </p:par>
-    </p:tnLst>
-  </p:timing>
 </p:sld>
 </file>
 
@@ -24846,12 +24475,8 @@
           <a:lstStyle/>
           <a:p>
             <a:r>
-              <a:rPr lang="en-US" dirty="0" smtClean="0"/>
-              <a:t>Contents</a:t>
-            </a:r>
-            <a:r>
-              <a:rPr lang="en-US" dirty="0" smtClean="0"/>
-              <a:t>	</a:t>
+              <a:rPr lang="en-US" dirty="0"/>
+              <a:t>Contents	</a:t>
             </a:r>
             <a:endParaRPr lang="el-GR" dirty="0"/>
           </a:p>
@@ -24873,25 +24498,25 @@
           <a:lstStyle/>
           <a:p>
             <a:r>
-              <a:rPr lang="en-US" dirty="0" smtClean="0"/>
+              <a:rPr lang="en-US" dirty="0"/>
               <a:t>Description</a:t>
             </a:r>
           </a:p>
           <a:p>
             <a:r>
-              <a:rPr lang="en-US" dirty="0" smtClean="0"/>
+              <a:rPr lang="en-US" dirty="0"/>
               <a:t>Implementation</a:t>
             </a:r>
           </a:p>
           <a:p>
             <a:r>
-              <a:rPr lang="en-US" dirty="0" smtClean="0"/>
+              <a:rPr lang="en-US" dirty="0"/>
               <a:t>Results </a:t>
             </a:r>
           </a:p>
           <a:p>
             <a:r>
-              <a:rPr lang="en-US" dirty="0" smtClean="0"/>
+              <a:rPr lang="en-US" dirty="0"/>
               <a:t>Conclusion</a:t>
             </a:r>
             <a:endParaRPr lang="el-GR" dirty="0"/>
@@ -24920,13 +24545,6 @@
       </p:transition>
     </mc:Fallback>
   </mc:AlternateContent>
-  <p:timing>
-    <p:tnLst>
-      <p:par>
-        <p:cTn id="1" dur="indefinite" restart="never" nodeType="tmRoot"/>
-      </p:par>
-    </p:tnLst>
-  </p:timing>
 </p:sld>
 </file>
 
@@ -24964,7 +24582,7 @@
           <a:p>
             <a:pPr algn="ctr"/>
             <a:r>
-              <a:rPr lang="en-US" dirty="0" smtClean="0"/>
+              <a:rPr lang="en-US" dirty="0"/>
               <a:t>Description	</a:t>
             </a:r>
             <a:endParaRPr lang="el-GR" dirty="0"/>
@@ -24991,7 +24609,7 @@
               <a:buAutoNum type="arabicPeriod"/>
             </a:pPr>
             <a:r>
-              <a:rPr lang="en-US" dirty="0" smtClean="0"/>
+              <a:rPr lang="en-US" dirty="0"/>
               <a:t>Hundreds of new movies each year</a:t>
             </a:r>
           </a:p>
@@ -25001,7 +24619,7 @@
               <a:buAutoNum type="arabicPeriod"/>
             </a:pPr>
             <a:r>
-              <a:rPr lang="en-US" dirty="0" smtClean="0"/>
+              <a:rPr lang="en-US" dirty="0"/>
               <a:t>Overwhelmed viewers</a:t>
             </a:r>
           </a:p>
@@ -25011,7 +24629,7 @@
               <a:buAutoNum type="arabicPeriod"/>
             </a:pPr>
             <a:r>
-              <a:rPr lang="en-US" dirty="0" smtClean="0"/>
+              <a:rPr lang="en-US" dirty="0"/>
               <a:t>Movie production studios want to know if a movie could be a commercial success</a:t>
             </a:r>
             <a:endParaRPr lang="el-GR" dirty="0"/>
@@ -25040,13 +24658,6 @@
       </p:transition>
     </mc:Fallback>
   </mc:AlternateContent>
-  <p:timing>
-    <p:tnLst>
-      <p:par>
-        <p:cTn id="1" dur="indefinite" restart="never" nodeType="tmRoot"/>
-      </p:par>
-    </p:tnLst>
-  </p:timing>
 </p:sld>
 </file>
 
@@ -25084,7 +24695,7 @@
           <a:p>
             <a:pPr algn="ctr"/>
             <a:r>
-              <a:rPr lang="en-US" dirty="0" smtClean="0"/>
+              <a:rPr lang="en-US" dirty="0"/>
               <a:t>Description</a:t>
             </a:r>
             <a:endParaRPr lang="el-GR" dirty="0"/>
@@ -25142,13 +24753,6 @@
       </p:transition>
     </mc:Fallback>
   </mc:AlternateContent>
-  <p:timing>
-    <p:tnLst>
-      <p:par>
-        <p:cTn id="1" dur="indefinite" restart="never" nodeType="tmRoot"/>
-      </p:par>
-    </p:tnLst>
-  </p:timing>
 </p:sld>
 </file>
 
@@ -25186,7 +24790,7 @@
           <a:p>
             <a:pPr algn="ctr"/>
             <a:r>
-              <a:rPr lang="en-US" dirty="0" smtClean="0"/>
+              <a:rPr lang="en-US" dirty="0"/>
               <a:t>Description</a:t>
             </a:r>
             <a:endParaRPr lang="el-GR" dirty="0"/>
@@ -25210,23 +24814,15 @@
           <a:p>
             <a:pPr algn="ctr"/>
             <a:r>
-              <a:rPr lang="en-US" dirty="0" smtClean="0"/>
+              <a:rPr lang="en-US" dirty="0"/>
               <a:t>Movie recommendations interface for the viewers</a:t>
             </a:r>
           </a:p>
           <a:p>
             <a:pPr algn="ctr"/>
             <a:r>
-              <a:rPr lang="en-US" dirty="0" smtClean="0"/>
-              <a:t>Movie </a:t>
-            </a:r>
-            <a:r>
-              <a:rPr lang="en-US" dirty="0" err="1" smtClean="0"/>
-              <a:t>Imdb</a:t>
-            </a:r>
-            <a:r>
-              <a:rPr lang="en-US" dirty="0" smtClean="0"/>
-              <a:t> Score Prediction for the movie production studios</a:t>
+              <a:rPr lang="en-US" dirty="0"/>
+              <a:t>Movie IMDb Score Prediction for the movie production studios</a:t>
             </a:r>
           </a:p>
           <a:p>
@@ -25257,13 +24853,6 @@
       </p:transition>
     </mc:Fallback>
   </mc:AlternateContent>
-  <p:timing>
-    <p:tnLst>
-      <p:par>
-        <p:cTn id="1" dur="indefinite" restart="never" nodeType="tmRoot"/>
-      </p:par>
-    </p:tnLst>
-  </p:timing>
 </p:sld>
 </file>
 
@@ -25301,7 +24890,7 @@
           <a:p>
             <a:pPr algn="ctr"/>
             <a:r>
-              <a:rPr lang="en-US" dirty="0" smtClean="0"/>
+              <a:rPr lang="en-US" dirty="0"/>
               <a:t>Implementation</a:t>
             </a:r>
             <a:endParaRPr lang="el-GR" dirty="0"/>
@@ -25324,43 +24913,27 @@
           <a:lstStyle/>
           <a:p>
             <a:r>
-              <a:rPr lang="en-US" dirty="0" err="1" smtClean="0"/>
-              <a:t>Imdb</a:t>
+              <a:rPr lang="en-US" dirty="0"/>
+              <a:t>IMDb 5000 Movie Dataset (</a:t>
             </a:r>
             <a:r>
-              <a:rPr lang="en-US" dirty="0" smtClean="0"/>
-              <a:t> 5000 Movie Dataset (</a:t>
-            </a:r>
-            <a:r>
-              <a:rPr lang="en-US" dirty="0" err="1" smtClean="0"/>
+              <a:rPr lang="en-US" dirty="0" err="1"/>
               <a:t>kaggle</a:t>
             </a:r>
             <a:r>
-              <a:rPr lang="en-US" dirty="0" smtClean="0"/>
+              <a:rPr lang="en-US" dirty="0"/>
               <a:t>)</a:t>
             </a:r>
           </a:p>
           <a:p>
             <a:r>
               <a:rPr lang="en-US" dirty="0"/>
-              <a:t>Machine Learning for the </a:t>
-            </a:r>
-            <a:r>
-              <a:rPr lang="en-US" dirty="0" err="1"/>
-              <a:t>imdb</a:t>
-            </a:r>
-            <a:r>
-              <a:rPr lang="en-US" dirty="0"/>
-              <a:t> score </a:t>
-            </a:r>
-            <a:r>
-              <a:rPr lang="en-US" dirty="0" smtClean="0"/>
-              <a:t>prediction</a:t>
+              <a:t>Machine Learning for the IMDb score prediction</a:t>
             </a:r>
           </a:p>
           <a:p>
             <a:r>
-              <a:rPr lang="en-US" dirty="0" smtClean="0"/>
+              <a:rPr lang="en-US" dirty="0"/>
               <a:t>MapReduce for the recommendations</a:t>
             </a:r>
           </a:p>
@@ -25388,13 +24961,6 @@
       </p:transition>
     </mc:Fallback>
   </mc:AlternateContent>
-  <p:timing>
-    <p:tnLst>
-      <p:par>
-        <p:cTn id="1" dur="indefinite" restart="never" nodeType="tmRoot"/>
-      </p:par>
-    </p:tnLst>
-  </p:timing>
 </p:sld>
 </file>
 
@@ -25432,10 +24998,9 @@
           <a:p>
             <a:pPr algn="ctr"/>
             <a:r>
-              <a:rPr lang="en-US" dirty="0" smtClean="0"/>
+              <a:rPr lang="en-US" dirty="0"/>
               <a:t>Implementation (predictions)</a:t>
             </a:r>
-            <a:endParaRPr lang="en-US" dirty="0"/>
           </a:p>
         </p:txBody>
       </p:sp>
@@ -25486,13 +25051,6 @@
       </p:transition>
     </mc:Fallback>
   </mc:AlternateContent>
-  <p:timing>
-    <p:tnLst>
-      <p:par>
-        <p:cTn id="1" dur="indefinite" restart="never" nodeType="tmRoot"/>
-      </p:par>
-    </p:tnLst>
-  </p:timing>
 </p:sld>
 </file>
 
@@ -25530,7 +25088,7 @@
           <a:p>
             <a:pPr algn="ctr"/>
             <a:r>
-              <a:rPr lang="en-US" dirty="0" smtClean="0"/>
+              <a:rPr lang="en-US" dirty="0"/>
               <a:t>Implementation (predictions)</a:t>
             </a:r>
             <a:endParaRPr lang="el-GR" dirty="0"/>
@@ -25547,7 +25105,7 @@
             <p:ph idx="1"/>
             <p:extLst>
               <p:ext uri="{D42A27DB-BD31-4B8C-83A1-F6EECF244321}">
-                <p14:modId xmlns:p14="http://schemas.microsoft.com/office/powerpoint/2010/main" val="1047238479"/>
+                <p14:modId xmlns:p14="http://schemas.microsoft.com/office/powerpoint/2010/main" val="2230518178"/>
               </p:ext>
             </p:extLst>
           </p:nvPr>
@@ -25563,12 +25121,48 @@
                 <a:tableStyleId>{7E9639D4-E3E2-4D34-9284-5A2195B3D0D7}</a:tableStyleId>
               </a:tblPr>
               <a:tblGrid>
-                <a:gridCol w="1959429"/>
-                <a:gridCol w="1959429"/>
-                <a:gridCol w="1959429"/>
-                <a:gridCol w="1959429"/>
-                <a:gridCol w="1959429"/>
-                <a:gridCol w="1959429"/>
+                <a:gridCol w="1959429">
+                  <a:extLst>
+                    <a:ext uri="{9D8B030D-6E8A-4147-A177-3AD203B41FA5}">
+                      <a16:colId xmlns:a16="http://schemas.microsoft.com/office/drawing/2014/main" val="20000"/>
+                    </a:ext>
+                  </a:extLst>
+                </a:gridCol>
+                <a:gridCol w="1959429">
+                  <a:extLst>
+                    <a:ext uri="{9D8B030D-6E8A-4147-A177-3AD203B41FA5}">
+                      <a16:colId xmlns:a16="http://schemas.microsoft.com/office/drawing/2014/main" val="20001"/>
+                    </a:ext>
+                  </a:extLst>
+                </a:gridCol>
+                <a:gridCol w="1959429">
+                  <a:extLst>
+                    <a:ext uri="{9D8B030D-6E8A-4147-A177-3AD203B41FA5}">
+                      <a16:colId xmlns:a16="http://schemas.microsoft.com/office/drawing/2014/main" val="20002"/>
+                    </a:ext>
+                  </a:extLst>
+                </a:gridCol>
+                <a:gridCol w="1959429">
+                  <a:extLst>
+                    <a:ext uri="{9D8B030D-6E8A-4147-A177-3AD203B41FA5}">
+                      <a16:colId xmlns:a16="http://schemas.microsoft.com/office/drawing/2014/main" val="20003"/>
+                    </a:ext>
+                  </a:extLst>
+                </a:gridCol>
+                <a:gridCol w="1959429">
+                  <a:extLst>
+                    <a:ext uri="{9D8B030D-6E8A-4147-A177-3AD203B41FA5}">
+                      <a16:colId xmlns:a16="http://schemas.microsoft.com/office/drawing/2014/main" val="20004"/>
+                    </a:ext>
+                  </a:extLst>
+                </a:gridCol>
+                <a:gridCol w="1959429">
+                  <a:extLst>
+                    <a:ext uri="{9D8B030D-6E8A-4147-A177-3AD203B41FA5}">
+                      <a16:colId xmlns:a16="http://schemas.microsoft.com/office/drawing/2014/main" val="20005"/>
+                    </a:ext>
+                  </a:extLst>
+                </a:gridCol>
               </a:tblGrid>
               <a:tr h="370840">
                 <a:tc>
@@ -25577,7 +25171,7 @@
                     <a:lstStyle/>
                     <a:p>
                       <a:r>
-                        <a:rPr lang="en-US" dirty="0" smtClean="0"/>
+                        <a:rPr lang="en-US" dirty="0"/>
                         <a:t>Color</a:t>
                       </a:r>
                       <a:endParaRPr lang="el-GR" dirty="0"/>
@@ -25591,7 +25185,7 @@
                     <a:lstStyle/>
                     <a:p>
                       <a:r>
-                        <a:rPr lang="en-US" dirty="0" err="1" smtClean="0"/>
+                        <a:rPr lang="en-US" dirty="0" err="1"/>
                         <a:t>Director_name</a:t>
                       </a:r>
                       <a:endParaRPr lang="el-GR" dirty="0"/>
@@ -25605,7 +25199,7 @@
                     <a:lstStyle/>
                     <a:p>
                       <a:r>
-                        <a:rPr lang="en-US" dirty="0" smtClean="0"/>
+                        <a:rPr lang="en-US" dirty="0"/>
                         <a:t>Duration</a:t>
                       </a:r>
                       <a:endParaRPr lang="el-GR" dirty="0"/>
@@ -25619,7 +25213,7 @@
                     <a:lstStyle/>
                     <a:p>
                       <a:r>
-                        <a:rPr lang="en-US" dirty="0" smtClean="0"/>
+                        <a:rPr lang="en-US" dirty="0"/>
                         <a:t>…</a:t>
                       </a:r>
                       <a:endParaRPr lang="el-GR" dirty="0"/>
@@ -25633,7 +25227,7 @@
                     <a:lstStyle/>
                     <a:p>
                       <a:r>
-                        <a:rPr lang="en-US" dirty="0" smtClean="0"/>
+                        <a:rPr lang="en-US" dirty="0"/>
                         <a:t>Gross</a:t>
                       </a:r>
                       <a:endParaRPr lang="el-GR" dirty="0"/>
@@ -25647,14 +25241,19 @@
                     <a:lstStyle/>
                     <a:p>
                       <a:r>
-                        <a:rPr lang="en-US" dirty="0" err="1" smtClean="0"/>
-                        <a:t>Gerne</a:t>
+                        <a:rPr lang="en-US" dirty="0"/>
+                        <a:t>Genre</a:t>
                       </a:r>
                       <a:endParaRPr lang="el-GR" dirty="0"/>
                     </a:p>
                   </a:txBody>
                   <a:tcPr/>
                 </a:tc>
+                <a:extLst>
+                  <a:ext uri="{0D108BD9-81ED-4DB2-BD59-A6C34878D82A}">
+                    <a16:rowId xmlns:a16="http://schemas.microsoft.com/office/drawing/2014/main" val="10000"/>
+                  </a:ext>
+                </a:extLst>
               </a:tr>
               <a:tr h="370840">
                 <a:tc>
@@ -25663,7 +25262,7 @@
                     <a:lstStyle/>
                     <a:p>
                       <a:r>
-                        <a:rPr lang="en-US" dirty="0" smtClean="0"/>
+                        <a:rPr lang="en-US" dirty="0"/>
                         <a:t>Color</a:t>
                       </a:r>
                       <a:endParaRPr lang="el-GR" dirty="0"/>
@@ -25677,11 +25276,11 @@
                     <a:lstStyle/>
                     <a:p>
                       <a:r>
-                        <a:rPr lang="en-US" dirty="0" smtClean="0"/>
+                        <a:rPr lang="en-US" dirty="0"/>
                         <a:t>James</a:t>
                       </a:r>
                       <a:r>
-                        <a:rPr lang="en-US" baseline="0" dirty="0" smtClean="0"/>
+                        <a:rPr lang="en-US" baseline="0" dirty="0"/>
                         <a:t> Cameron</a:t>
                       </a:r>
                       <a:endParaRPr lang="el-GR" dirty="0"/>
@@ -25695,7 +25294,7 @@
                     <a:lstStyle/>
                     <a:p>
                       <a:r>
-                        <a:rPr lang="en-US" dirty="0" smtClean="0"/>
+                        <a:rPr lang="en-US" dirty="0"/>
                         <a:t>178</a:t>
                       </a:r>
                       <a:endParaRPr lang="el-GR" dirty="0"/>
@@ -25709,7 +25308,7 @@
                     <a:lstStyle/>
                     <a:p>
                       <a:r>
-                        <a:rPr lang="en-US" dirty="0" smtClean="0"/>
+                        <a:rPr lang="en-US" dirty="0"/>
                         <a:t>…</a:t>
                       </a:r>
                       <a:endParaRPr lang="el-GR" dirty="0"/>
@@ -25723,7 +25322,7 @@
                     <a:lstStyle/>
                     <a:p>
                       <a:r>
-                        <a:rPr lang="en-US" dirty="0" smtClean="0"/>
+                        <a:rPr lang="en-US" dirty="0"/>
                         <a:t>760657489</a:t>
                       </a:r>
                       <a:endParaRPr lang="el-GR" dirty="0"/>
@@ -25737,7 +25336,7 @@
                     <a:lstStyle/>
                     <a:p>
                       <a:r>
-                        <a:rPr lang="en-US" dirty="0" err="1" smtClean="0"/>
+                        <a:rPr lang="en-US" dirty="0" err="1"/>
                         <a:t>Action|Sci-Fi</a:t>
                       </a:r>
                       <a:endParaRPr lang="el-GR" dirty="0"/>
@@ -25745,6 +25344,11 @@
                   </a:txBody>
                   <a:tcPr/>
                 </a:tc>
+                <a:extLst>
+                  <a:ext uri="{0D108BD9-81ED-4DB2-BD59-A6C34878D82A}">
+                    <a16:rowId xmlns:a16="http://schemas.microsoft.com/office/drawing/2014/main" val="10001"/>
+                  </a:ext>
+                </a:extLst>
               </a:tr>
               <a:tr h="370840">
                 <a:tc>
@@ -25753,7 +25357,7 @@
                     <a:lstStyle/>
                     <a:p>
                       <a:r>
-                        <a:rPr lang="en-US" dirty="0" smtClean="0"/>
+                        <a:rPr lang="en-US" dirty="0"/>
                         <a:t>Color</a:t>
                       </a:r>
                       <a:endParaRPr lang="el-GR" dirty="0"/>
@@ -25767,7 +25371,7 @@
                     <a:lstStyle/>
                     <a:p>
                       <a:r>
-                        <a:rPr lang="en-US" dirty="0" smtClean="0"/>
+                        <a:rPr lang="en-US" dirty="0"/>
                         <a:t>Sam Mendes</a:t>
                       </a:r>
                       <a:endParaRPr lang="el-GR" dirty="0"/>
@@ -25781,7 +25385,7 @@
                     <a:lstStyle/>
                     <a:p>
                       <a:r>
-                        <a:rPr lang="en-US" dirty="0" smtClean="0"/>
+                        <a:rPr lang="en-US" dirty="0"/>
                         <a:t>86</a:t>
                       </a:r>
                       <a:endParaRPr lang="el-GR" dirty="0"/>
@@ -25795,7 +25399,7 @@
                     <a:lstStyle/>
                     <a:p>
                       <a:r>
-                        <a:rPr lang="en-US" dirty="0" smtClean="0"/>
+                        <a:rPr lang="en-US" dirty="0"/>
                         <a:t>…</a:t>
                       </a:r>
                       <a:endParaRPr lang="el-GR" dirty="0"/>
@@ -25809,7 +25413,7 @@
                     <a:lstStyle/>
                     <a:p>
                       <a:r>
-                        <a:rPr lang="en-US" dirty="0" smtClean="0"/>
+                        <a:rPr lang="en-US" dirty="0"/>
                         <a:t>978743949</a:t>
                       </a:r>
                       <a:endParaRPr lang="el-GR" dirty="0"/>
@@ -25823,7 +25427,7 @@
                     <a:lstStyle/>
                     <a:p>
                       <a:r>
-                        <a:rPr lang="en-US" dirty="0" smtClean="0"/>
+                        <a:rPr lang="en-US" dirty="0"/>
                         <a:t>Action</a:t>
                       </a:r>
                       <a:endParaRPr lang="el-GR" dirty="0"/>
@@ -25831,6 +25435,11 @@
                   </a:txBody>
                   <a:tcPr/>
                 </a:tc>
+                <a:extLst>
+                  <a:ext uri="{0D108BD9-81ED-4DB2-BD59-A6C34878D82A}">
+                    <a16:rowId xmlns:a16="http://schemas.microsoft.com/office/drawing/2014/main" val="10002"/>
+                  </a:ext>
+                </a:extLst>
               </a:tr>
               <a:tr h="370840">
                 <a:tc>
@@ -25839,7 +25448,7 @@
                     <a:lstStyle/>
                     <a:p>
                       <a:r>
-                        <a:rPr lang="en-US" dirty="0" smtClean="0"/>
+                        <a:rPr lang="en-US" dirty="0"/>
                         <a:t>Color</a:t>
                       </a:r>
                       <a:endParaRPr lang="el-GR" dirty="0"/>
@@ -25853,7 +25462,7 @@
                     <a:lstStyle/>
                     <a:p>
                       <a:r>
-                        <a:rPr lang="en-US" dirty="0" smtClean="0"/>
+                        <a:rPr lang="en-US" dirty="0"/>
                         <a:t>Doug Walker</a:t>
                       </a:r>
                       <a:endParaRPr lang="el-GR" dirty="0"/>
@@ -25867,7 +25476,7 @@
                     <a:lstStyle/>
                     <a:p>
                       <a:r>
-                        <a:rPr lang="en-US" dirty="0" smtClean="0"/>
+                        <a:rPr lang="en-US" dirty="0"/>
                         <a:t>91</a:t>
                       </a:r>
                       <a:endParaRPr lang="el-GR" dirty="0"/>
@@ -25881,7 +25490,7 @@
                     <a:lstStyle/>
                     <a:p>
                       <a:r>
-                        <a:rPr lang="en-US" dirty="0" smtClean="0"/>
+                        <a:rPr lang="en-US" dirty="0"/>
                         <a:t>…</a:t>
                       </a:r>
                       <a:endParaRPr lang="el-GR" dirty="0"/>
@@ -25895,7 +25504,7 @@
                     <a:lstStyle/>
                     <a:p>
                       <a:r>
-                        <a:rPr lang="en-US" dirty="0" smtClean="0"/>
+                        <a:rPr lang="en-US" dirty="0"/>
                         <a:t>648738393</a:t>
                       </a:r>
                       <a:endParaRPr lang="el-GR" dirty="0"/>
@@ -25909,7 +25518,7 @@
                     <a:lstStyle/>
                     <a:p>
                       <a:r>
-                        <a:rPr lang="en-US" dirty="0" err="1" smtClean="0"/>
+                        <a:rPr lang="en-US" dirty="0" err="1"/>
                         <a:t>Thriller|Action</a:t>
                       </a:r>
                       <a:endParaRPr lang="el-GR" dirty="0"/>
@@ -25917,6 +25526,11 @@
                   </a:txBody>
                   <a:tcPr/>
                 </a:tc>
+                <a:extLst>
+                  <a:ext uri="{0D108BD9-81ED-4DB2-BD59-A6C34878D82A}">
+                    <a16:rowId xmlns:a16="http://schemas.microsoft.com/office/drawing/2014/main" val="10003"/>
+                  </a:ext>
+                </a:extLst>
               </a:tr>
               <a:tr h="370840">
                 <a:tc>
@@ -25925,7 +25539,7 @@
                     <a:lstStyle/>
                     <a:p>
                       <a:r>
-                        <a:rPr lang="en-US" dirty="0" smtClean="0"/>
+                        <a:rPr lang="en-US" dirty="0"/>
                         <a:t>Black-White</a:t>
                       </a:r>
                       <a:endParaRPr lang="el-GR" dirty="0"/>
@@ -25939,11 +25553,11 @@
                     <a:lstStyle/>
                     <a:p>
                       <a:r>
-                        <a:rPr lang="en-US" dirty="0" smtClean="0"/>
+                        <a:rPr lang="en-US" dirty="0"/>
                         <a:t>Sam </a:t>
                       </a:r>
                       <a:r>
-                        <a:rPr lang="en-US" dirty="0" err="1" smtClean="0"/>
+                        <a:rPr lang="en-US" dirty="0" err="1"/>
                         <a:t>Riami</a:t>
                       </a:r>
                       <a:endParaRPr lang="el-GR" dirty="0"/>
@@ -25957,7 +25571,7 @@
                     <a:lstStyle/>
                     <a:p>
                       <a:r>
-                        <a:rPr lang="en-US" dirty="0" smtClean="0"/>
+                        <a:rPr lang="en-US" dirty="0"/>
                         <a:t>127</a:t>
                       </a:r>
                       <a:endParaRPr lang="el-GR" dirty="0"/>
@@ -25971,7 +25585,7 @@
                     <a:lstStyle/>
                     <a:p>
                       <a:r>
-                        <a:rPr lang="en-US" dirty="0" smtClean="0"/>
+                        <a:rPr lang="en-US" dirty="0"/>
                         <a:t>…</a:t>
                       </a:r>
                       <a:endParaRPr lang="el-GR" dirty="0"/>
@@ -25985,7 +25599,7 @@
                     <a:lstStyle/>
                     <a:p>
                       <a:r>
-                        <a:rPr lang="en-US" dirty="0" smtClean="0"/>
+                        <a:rPr lang="en-US" dirty="0"/>
                         <a:t>34324544</a:t>
                       </a:r>
                       <a:endParaRPr lang="el-GR" dirty="0"/>
@@ -25999,7 +25613,7 @@
                     <a:lstStyle/>
                     <a:p>
                       <a:r>
-                        <a:rPr lang="en-US" dirty="0" smtClean="0"/>
+                        <a:rPr lang="en-US" dirty="0"/>
                         <a:t>Adventure</a:t>
                       </a:r>
                       <a:endParaRPr lang="el-GR" dirty="0"/>
@@ -26007,6 +25621,11 @@
                   </a:txBody>
                   <a:tcPr/>
                 </a:tc>
+                <a:extLst>
+                  <a:ext uri="{0D108BD9-81ED-4DB2-BD59-A6C34878D82A}">
+                    <a16:rowId xmlns:a16="http://schemas.microsoft.com/office/drawing/2014/main" val="10004"/>
+                  </a:ext>
+                </a:extLst>
               </a:tr>
               <a:tr h="370840">
                 <a:tc>
@@ -26015,7 +25634,7 @@
                     <a:lstStyle/>
                     <a:p>
                       <a:r>
-                        <a:rPr lang="en-US" dirty="0" smtClean="0"/>
+                        <a:rPr lang="en-US" dirty="0"/>
                         <a:t>Color</a:t>
                       </a:r>
                       <a:endParaRPr lang="el-GR" dirty="0"/>
@@ -26029,11 +25648,11 @@
                     <a:lstStyle/>
                     <a:p>
                       <a:r>
-                        <a:rPr lang="en-US" dirty="0" smtClean="0"/>
+                        <a:rPr lang="en-US" dirty="0"/>
                         <a:t>James</a:t>
                       </a:r>
                       <a:r>
-                        <a:rPr lang="en-US" baseline="0" dirty="0" smtClean="0"/>
+                        <a:rPr lang="en-US" baseline="0" dirty="0"/>
                         <a:t> Cameron</a:t>
                       </a:r>
                       <a:endParaRPr lang="el-GR" dirty="0"/>
@@ -26047,7 +25666,7 @@
                     <a:lstStyle/>
                     <a:p>
                       <a:r>
-                        <a:rPr lang="en-US" dirty="0" smtClean="0"/>
+                        <a:rPr lang="en-US" dirty="0"/>
                         <a:t>112</a:t>
                       </a:r>
                       <a:endParaRPr lang="el-GR" dirty="0"/>
@@ -26061,7 +25680,7 @@
                     <a:lstStyle/>
                     <a:p>
                       <a:r>
-                        <a:rPr lang="en-US" dirty="0" smtClean="0"/>
+                        <a:rPr lang="en-US" dirty="0"/>
                         <a:t>…</a:t>
                       </a:r>
                       <a:endParaRPr lang="el-GR" dirty="0"/>
@@ -26075,7 +25694,7 @@
                     <a:lstStyle/>
                     <a:p>
                       <a:r>
-                        <a:rPr lang="en-US" dirty="0" smtClean="0"/>
+                        <a:rPr lang="en-US" dirty="0"/>
                         <a:t>92343452</a:t>
                       </a:r>
                       <a:endParaRPr lang="el-GR" dirty="0"/>
@@ -26089,7 +25708,7 @@
                     <a:lstStyle/>
                     <a:p>
                       <a:r>
-                        <a:rPr lang="en-US" dirty="0" err="1" smtClean="0"/>
+                        <a:rPr lang="en-US" dirty="0" err="1"/>
                         <a:t>Sci-Fi|Thriller</a:t>
                       </a:r>
                       <a:endParaRPr lang="el-GR" dirty="0"/>
@@ -26097,6 +25716,11 @@
                   </a:txBody>
                   <a:tcPr/>
                 </a:tc>
+                <a:extLst>
+                  <a:ext uri="{0D108BD9-81ED-4DB2-BD59-A6C34878D82A}">
+                    <a16:rowId xmlns:a16="http://schemas.microsoft.com/office/drawing/2014/main" val="10005"/>
+                  </a:ext>
+                </a:extLst>
               </a:tr>
               <a:tr h="370840">
                 <a:tc>
@@ -26105,7 +25729,7 @@
                     <a:lstStyle/>
                     <a:p>
                       <a:r>
-                        <a:rPr lang="en-US" dirty="0" smtClean="0"/>
+                        <a:rPr lang="en-US" dirty="0"/>
                         <a:t>Black-White</a:t>
                       </a:r>
                       <a:endParaRPr lang="el-GR" dirty="0"/>
@@ -26119,11 +25743,11 @@
                     <a:lstStyle/>
                     <a:p>
                       <a:r>
-                        <a:rPr lang="en-US" dirty="0" smtClean="0"/>
+                        <a:rPr lang="en-US" dirty="0"/>
                         <a:t>Nathan </a:t>
                       </a:r>
                       <a:r>
-                        <a:rPr lang="en-US" dirty="0" err="1" smtClean="0"/>
+                        <a:rPr lang="en-US" dirty="0" err="1"/>
                         <a:t>Greno</a:t>
                       </a:r>
                       <a:endParaRPr lang="el-GR" dirty="0"/>
@@ -26137,7 +25761,7 @@
                     <a:lstStyle/>
                     <a:p>
                       <a:r>
-                        <a:rPr lang="en-US" dirty="0" smtClean="0"/>
+                        <a:rPr lang="en-US" dirty="0"/>
                         <a:t>96</a:t>
                       </a:r>
                       <a:endParaRPr lang="el-GR" dirty="0"/>
@@ -26151,7 +25775,7 @@
                     <a:lstStyle/>
                     <a:p>
                       <a:r>
-                        <a:rPr lang="en-US" dirty="0" smtClean="0"/>
+                        <a:rPr lang="en-US" dirty="0"/>
                         <a:t>…</a:t>
                       </a:r>
                       <a:endParaRPr lang="el-GR" dirty="0"/>
@@ -26165,7 +25789,7 @@
                     <a:lstStyle/>
                     <a:p>
                       <a:r>
-                        <a:rPr lang="en-US" dirty="0" smtClean="0"/>
+                        <a:rPr lang="en-US" dirty="0"/>
                         <a:t>253435455667</a:t>
                       </a:r>
                       <a:endParaRPr lang="el-GR" dirty="0"/>
@@ -26179,7 +25803,7 @@
                     <a:lstStyle/>
                     <a:p>
                       <a:r>
-                        <a:rPr lang="en-US" dirty="0" smtClean="0"/>
+                        <a:rPr lang="en-US" dirty="0"/>
                         <a:t>Action</a:t>
                       </a:r>
                       <a:endParaRPr lang="el-GR" dirty="0"/>
@@ -26187,6 +25811,11 @@
                   </a:txBody>
                   <a:tcPr/>
                 </a:tc>
+                <a:extLst>
+                  <a:ext uri="{0D108BD9-81ED-4DB2-BD59-A6C34878D82A}">
+                    <a16:rowId xmlns:a16="http://schemas.microsoft.com/office/drawing/2014/main" val="10006"/>
+                  </a:ext>
+                </a:extLst>
               </a:tr>
               <a:tr h="370840">
                 <a:tc>
@@ -26195,7 +25824,7 @@
                     <a:lstStyle/>
                     <a:p>
                       <a:r>
-                        <a:rPr lang="en-US" dirty="0" smtClean="0"/>
+                        <a:rPr lang="en-US" dirty="0"/>
                         <a:t>…</a:t>
                       </a:r>
                       <a:endParaRPr lang="el-GR" dirty="0"/>
@@ -26209,7 +25838,7 @@
                     <a:lstStyle/>
                     <a:p>
                       <a:r>
-                        <a:rPr lang="en-US" dirty="0" smtClean="0"/>
+                        <a:rPr lang="en-US" dirty="0"/>
                         <a:t>…</a:t>
                       </a:r>
                       <a:endParaRPr lang="el-GR" dirty="0"/>
@@ -26223,7 +25852,7 @@
                     <a:lstStyle/>
                     <a:p>
                       <a:r>
-                        <a:rPr lang="en-US" dirty="0" smtClean="0"/>
+                        <a:rPr lang="en-US" dirty="0"/>
                         <a:t>…</a:t>
                       </a:r>
                       <a:endParaRPr lang="el-GR" dirty="0"/>
@@ -26237,7 +25866,7 @@
                     <a:lstStyle/>
                     <a:p>
                       <a:r>
-                        <a:rPr lang="en-US" dirty="0" smtClean="0"/>
+                        <a:rPr lang="en-US" dirty="0"/>
                         <a:t>…</a:t>
                       </a:r>
                       <a:endParaRPr lang="el-GR" dirty="0"/>
@@ -26251,7 +25880,7 @@
                     <a:lstStyle/>
                     <a:p>
                       <a:r>
-                        <a:rPr lang="en-US" dirty="0" smtClean="0"/>
+                        <a:rPr lang="en-US" dirty="0"/>
                         <a:t>…</a:t>
                       </a:r>
                       <a:endParaRPr lang="el-GR" dirty="0"/>
@@ -26265,7 +25894,7 @@
                     <a:lstStyle/>
                     <a:p>
                       <a:r>
-                        <a:rPr lang="en-US" dirty="0" smtClean="0"/>
+                        <a:rPr lang="en-US" dirty="0"/>
                         <a:t>…</a:t>
                       </a:r>
                       <a:endParaRPr lang="el-GR" dirty="0"/>
@@ -26273,6 +25902,11 @@
                   </a:txBody>
                   <a:tcPr/>
                 </a:tc>
+                <a:extLst>
+                  <a:ext uri="{0D108BD9-81ED-4DB2-BD59-A6C34878D82A}">
+                    <a16:rowId xmlns:a16="http://schemas.microsoft.com/office/drawing/2014/main" val="10007"/>
+                  </a:ext>
+                </a:extLst>
               </a:tr>
               <a:tr h="370840">
                 <a:tc>
@@ -26281,7 +25915,7 @@
                     <a:lstStyle/>
                     <a:p>
                       <a:r>
-                        <a:rPr lang="en-US" dirty="0" smtClean="0"/>
+                        <a:rPr lang="en-US" dirty="0"/>
                         <a:t>Color</a:t>
                       </a:r>
                       <a:endParaRPr lang="el-GR" dirty="0"/>
@@ -26295,7 +25929,7 @@
                     <a:lstStyle/>
                     <a:p>
                       <a:r>
-                        <a:rPr lang="en-US" dirty="0" smtClean="0"/>
+                        <a:rPr lang="en-US" dirty="0"/>
                         <a:t>James Cameron</a:t>
                       </a:r>
                       <a:endParaRPr lang="el-GR" dirty="0"/>
@@ -26309,7 +25943,7 @@
                     <a:lstStyle/>
                     <a:p>
                       <a:r>
-                        <a:rPr lang="en-US" dirty="0" smtClean="0"/>
+                        <a:rPr lang="en-US" dirty="0"/>
                         <a:t>123</a:t>
                       </a:r>
                       <a:endParaRPr lang="el-GR" dirty="0"/>
@@ -26323,7 +25957,7 @@
                     <a:lstStyle/>
                     <a:p>
                       <a:r>
-                        <a:rPr lang="en-US" dirty="0" smtClean="0"/>
+                        <a:rPr lang="en-US" dirty="0"/>
                         <a:t>…</a:t>
                       </a:r>
                       <a:endParaRPr lang="el-GR" dirty="0"/>
@@ -26337,7 +25971,7 @@
                     <a:lstStyle/>
                     <a:p>
                       <a:r>
-                        <a:rPr lang="en-US" dirty="0" smtClean="0"/>
+                        <a:rPr lang="en-US" dirty="0"/>
                         <a:t>7234545464</a:t>
                       </a:r>
                       <a:endParaRPr lang="el-GR" dirty="0"/>
@@ -26351,7 +25985,7 @@
                     <a:lstStyle/>
                     <a:p>
                       <a:r>
-                        <a:rPr lang="en-US" dirty="0" smtClean="0"/>
+                        <a:rPr lang="en-US" dirty="0"/>
                         <a:t>Action</a:t>
                       </a:r>
                       <a:endParaRPr lang="el-GR" dirty="0"/>
@@ -26359,6 +25993,11 @@
                   </a:txBody>
                   <a:tcPr/>
                 </a:tc>
+                <a:extLst>
+                  <a:ext uri="{0D108BD9-81ED-4DB2-BD59-A6C34878D82A}">
+                    <a16:rowId xmlns:a16="http://schemas.microsoft.com/office/drawing/2014/main" val="10008"/>
+                  </a:ext>
+                </a:extLst>
               </a:tr>
               <a:tr h="370840">
                 <a:tc>
@@ -26367,7 +26006,7 @@
                     <a:lstStyle/>
                     <a:p>
                       <a:r>
-                        <a:rPr lang="en-US" dirty="0" smtClean="0"/>
+                        <a:rPr lang="en-US" dirty="0"/>
                         <a:t>Color</a:t>
                       </a:r>
                       <a:endParaRPr lang="el-GR" dirty="0"/>
@@ -26381,7 +26020,7 @@
                     <a:lstStyle/>
                     <a:p>
                       <a:r>
-                        <a:rPr lang="en-US" dirty="0" smtClean="0"/>
+                        <a:rPr lang="en-US" dirty="0"/>
                         <a:t>Sam Mendes</a:t>
                       </a:r>
                       <a:endParaRPr lang="el-GR" dirty="0"/>
@@ -26395,7 +26034,7 @@
                     <a:lstStyle/>
                     <a:p>
                       <a:r>
-                        <a:rPr lang="en-US" dirty="0" smtClean="0"/>
+                        <a:rPr lang="en-US" dirty="0"/>
                         <a:t>118</a:t>
                       </a:r>
                       <a:endParaRPr lang="el-GR" dirty="0"/>
@@ -26409,7 +26048,7 @@
                     <a:lstStyle/>
                     <a:p>
                       <a:r>
-                        <a:rPr lang="en-US" dirty="0" smtClean="0"/>
+                        <a:rPr lang="en-US" dirty="0"/>
                         <a:t>…</a:t>
                       </a:r>
                       <a:endParaRPr lang="el-GR" dirty="0"/>
@@ -26423,7 +26062,7 @@
                     <a:lstStyle/>
                     <a:p>
                       <a:r>
-                        <a:rPr lang="en-US" dirty="0" smtClean="0"/>
+                        <a:rPr lang="en-US" dirty="0"/>
                         <a:t>20344534</a:t>
                       </a:r>
                       <a:endParaRPr lang="el-GR" dirty="0"/>
@@ -26437,7 +26076,7 @@
                     <a:lstStyle/>
                     <a:p>
                       <a:r>
-                        <a:rPr lang="en-US" dirty="0" smtClean="0"/>
+                        <a:rPr lang="en-US" dirty="0"/>
                         <a:t>Adventure</a:t>
                       </a:r>
                       <a:endParaRPr lang="el-GR" dirty="0"/>
@@ -26445,6 +26084,11 @@
                   </a:txBody>
                   <a:tcPr/>
                 </a:tc>
+                <a:extLst>
+                  <a:ext uri="{0D108BD9-81ED-4DB2-BD59-A6C34878D82A}">
+                    <a16:rowId xmlns:a16="http://schemas.microsoft.com/office/drawing/2014/main" val="10009"/>
+                  </a:ext>
+                </a:extLst>
               </a:tr>
             </a:tbl>
           </a:graphicData>
@@ -26472,13 +26116,6 @@
       </p:transition>
     </mc:Fallback>
   </mc:AlternateContent>
-  <p:timing>
-    <p:tnLst>
-      <p:par>
-        <p:cTn id="1" dur="indefinite" restart="never" nodeType="tmRoot"/>
-      </p:par>
-    </p:tnLst>
-  </p:timing>
 </p:sld>
 </file>
 
@@ -26516,8 +26153,8 @@
           <a:p>
             <a:pPr algn="ctr"/>
             <a:r>
-              <a:rPr lang="en-US" dirty="0" smtClean="0"/>
-              <a:t>Implementation(predictions)</a:t>
+              <a:rPr lang="en-US" dirty="0"/>
+              <a:t>Implementation (predictions)</a:t>
             </a:r>
             <a:endParaRPr lang="el-GR" dirty="0"/>
           </a:p>
@@ -26549,12 +26186,48 @@
                 <a:tableStyleId>{7E9639D4-E3E2-4D34-9284-5A2195B3D0D7}</a:tableStyleId>
               </a:tblPr>
               <a:tblGrid>
-                <a:gridCol w="1947817"/>
-                <a:gridCol w="1947817"/>
-                <a:gridCol w="1947817"/>
-                <a:gridCol w="1947817"/>
-                <a:gridCol w="1947817"/>
-                <a:gridCol w="1947817"/>
+                <a:gridCol w="1947817">
+                  <a:extLst>
+                    <a:ext uri="{9D8B030D-6E8A-4147-A177-3AD203B41FA5}">
+                      <a16:colId xmlns:a16="http://schemas.microsoft.com/office/drawing/2014/main" val="20000"/>
+                    </a:ext>
+                  </a:extLst>
+                </a:gridCol>
+                <a:gridCol w="1947817">
+                  <a:extLst>
+                    <a:ext uri="{9D8B030D-6E8A-4147-A177-3AD203B41FA5}">
+                      <a16:colId xmlns:a16="http://schemas.microsoft.com/office/drawing/2014/main" val="20001"/>
+                    </a:ext>
+                  </a:extLst>
+                </a:gridCol>
+                <a:gridCol w="1947817">
+                  <a:extLst>
+                    <a:ext uri="{9D8B030D-6E8A-4147-A177-3AD203B41FA5}">
+                      <a16:colId xmlns:a16="http://schemas.microsoft.com/office/drawing/2014/main" val="20002"/>
+                    </a:ext>
+                  </a:extLst>
+                </a:gridCol>
+                <a:gridCol w="1947817">
+                  <a:extLst>
+                    <a:ext uri="{9D8B030D-6E8A-4147-A177-3AD203B41FA5}">
+                      <a16:colId xmlns:a16="http://schemas.microsoft.com/office/drawing/2014/main" val="20003"/>
+                    </a:ext>
+                  </a:extLst>
+                </a:gridCol>
+                <a:gridCol w="1947817">
+                  <a:extLst>
+                    <a:ext uri="{9D8B030D-6E8A-4147-A177-3AD203B41FA5}">
+                      <a16:colId xmlns:a16="http://schemas.microsoft.com/office/drawing/2014/main" val="20004"/>
+                    </a:ext>
+                  </a:extLst>
+                </a:gridCol>
+                <a:gridCol w="1947817">
+                  <a:extLst>
+                    <a:ext uri="{9D8B030D-6E8A-4147-A177-3AD203B41FA5}">
+                      <a16:colId xmlns:a16="http://schemas.microsoft.com/office/drawing/2014/main" val="20005"/>
+                    </a:ext>
+                  </a:extLst>
+                </a:gridCol>
               </a:tblGrid>
               <a:tr h="370840">
                 <a:tc>
@@ -26563,7 +26236,7 @@
                     <a:lstStyle/>
                     <a:p>
                       <a:r>
-                        <a:rPr lang="en-US" dirty="0" smtClean="0"/>
+                        <a:rPr lang="en-US" dirty="0"/>
                         <a:t>Color</a:t>
                       </a:r>
                       <a:endParaRPr lang="el-GR" dirty="0"/>
@@ -26577,7 +26250,7 @@
                     <a:lstStyle/>
                     <a:p>
                       <a:r>
-                        <a:rPr lang="en-US" dirty="0" err="1" smtClean="0"/>
+                        <a:rPr lang="en-US" dirty="0" err="1"/>
                         <a:t>Director_name</a:t>
                       </a:r>
                       <a:endParaRPr lang="el-GR" dirty="0"/>
@@ -26591,7 +26264,7 @@
                     <a:lstStyle/>
                     <a:p>
                       <a:r>
-                        <a:rPr lang="en-US" dirty="0" smtClean="0"/>
+                        <a:rPr lang="en-US" dirty="0"/>
                         <a:t>Duration</a:t>
                       </a:r>
                       <a:endParaRPr lang="el-GR" dirty="0"/>
@@ -26605,7 +26278,7 @@
                     <a:lstStyle/>
                     <a:p>
                       <a:r>
-                        <a:rPr lang="en-US" dirty="0" smtClean="0"/>
+                        <a:rPr lang="en-US" dirty="0"/>
                         <a:t>…</a:t>
                       </a:r>
                       <a:endParaRPr lang="el-GR" dirty="0"/>
@@ -26619,7 +26292,7 @@
                     <a:lstStyle/>
                     <a:p>
                       <a:r>
-                        <a:rPr lang="en-US" dirty="0" smtClean="0"/>
+                        <a:rPr lang="en-US" dirty="0"/>
                         <a:t>Gross</a:t>
                       </a:r>
                       <a:endParaRPr lang="el-GR" dirty="0"/>
@@ -26633,7 +26306,7 @@
                     <a:lstStyle/>
                     <a:p>
                       <a:r>
-                        <a:rPr lang="en-US" dirty="0" err="1" smtClean="0"/>
+                        <a:rPr lang="en-US" dirty="0" err="1"/>
                         <a:t>Gerne</a:t>
                       </a:r>
                       <a:endParaRPr lang="el-GR" dirty="0"/>
@@ -26641,6 +26314,11 @@
                   </a:txBody>
                   <a:tcPr/>
                 </a:tc>
+                <a:extLst>
+                  <a:ext uri="{0D108BD9-81ED-4DB2-BD59-A6C34878D82A}">
+                    <a16:rowId xmlns:a16="http://schemas.microsoft.com/office/drawing/2014/main" val="10000"/>
+                  </a:ext>
+                </a:extLst>
               </a:tr>
               <a:tr h="370840">
                 <a:tc>
@@ -26649,7 +26327,7 @@
                     <a:lstStyle/>
                     <a:p>
                       <a:r>
-                        <a:rPr lang="en-US" dirty="0" smtClean="0"/>
+                        <a:rPr lang="en-US" dirty="0"/>
                         <a:t>0</a:t>
                       </a:r>
                       <a:endParaRPr lang="el-GR" dirty="0"/>
@@ -26663,7 +26341,7 @@
                     <a:lstStyle/>
                     <a:p>
                       <a:r>
-                        <a:rPr lang="en-US" dirty="0" smtClean="0"/>
+                        <a:rPr lang="en-US" dirty="0"/>
                         <a:t>0</a:t>
                       </a:r>
                       <a:endParaRPr lang="el-GR" dirty="0"/>
@@ -26677,7 +26355,7 @@
                     <a:lstStyle/>
                     <a:p>
                       <a:r>
-                        <a:rPr lang="en-US" dirty="0" smtClean="0"/>
+                        <a:rPr lang="en-US" dirty="0"/>
                         <a:t>178</a:t>
                       </a:r>
                       <a:endParaRPr lang="el-GR" dirty="0"/>
@@ -26691,7 +26369,7 @@
                     <a:lstStyle/>
                     <a:p>
                       <a:r>
-                        <a:rPr lang="en-US" dirty="0" smtClean="0"/>
+                        <a:rPr lang="en-US" dirty="0"/>
                         <a:t>…</a:t>
                       </a:r>
                       <a:endParaRPr lang="el-GR" dirty="0"/>
@@ -26705,7 +26383,7 @@
                     <a:lstStyle/>
                     <a:p>
                       <a:r>
-                        <a:rPr lang="en-US" dirty="0" smtClean="0"/>
+                        <a:rPr lang="en-US" dirty="0"/>
                         <a:t>760657489</a:t>
                       </a:r>
                       <a:endParaRPr lang="el-GR" dirty="0"/>
@@ -26719,7 +26397,7 @@
                     <a:lstStyle/>
                     <a:p>
                       <a:r>
-                        <a:rPr lang="en-US" dirty="0" smtClean="0"/>
+                        <a:rPr lang="en-US" dirty="0"/>
                         <a:t>2</a:t>
                       </a:r>
                       <a:endParaRPr lang="el-GR" dirty="0"/>
@@ -26727,6 +26405,11 @@
                   </a:txBody>
                   <a:tcPr/>
                 </a:tc>
+                <a:extLst>
+                  <a:ext uri="{0D108BD9-81ED-4DB2-BD59-A6C34878D82A}">
+                    <a16:rowId xmlns:a16="http://schemas.microsoft.com/office/drawing/2014/main" val="10001"/>
+                  </a:ext>
+                </a:extLst>
               </a:tr>
               <a:tr h="370840">
                 <a:tc>
@@ -26735,7 +26418,7 @@
                     <a:lstStyle/>
                     <a:p>
                       <a:r>
-                        <a:rPr lang="en-US" dirty="0" smtClean="0"/>
+                        <a:rPr lang="en-US" dirty="0"/>
                         <a:t>0</a:t>
                       </a:r>
                       <a:endParaRPr lang="el-GR" dirty="0"/>
@@ -26749,7 +26432,7 @@
                     <a:lstStyle/>
                     <a:p>
                       <a:r>
-                        <a:rPr lang="en-US" dirty="0" smtClean="0"/>
+                        <a:rPr lang="en-US" dirty="0"/>
                         <a:t>1</a:t>
                       </a:r>
                       <a:endParaRPr lang="el-GR" dirty="0"/>
@@ -26763,7 +26446,7 @@
                     <a:lstStyle/>
                     <a:p>
                       <a:r>
-                        <a:rPr lang="en-US" dirty="0" smtClean="0"/>
+                        <a:rPr lang="en-US" dirty="0"/>
                         <a:t>86</a:t>
                       </a:r>
                       <a:endParaRPr lang="el-GR" dirty="0"/>
@@ -26777,7 +26460,7 @@
                     <a:lstStyle/>
                     <a:p>
                       <a:r>
-                        <a:rPr lang="en-US" dirty="0" smtClean="0"/>
+                        <a:rPr lang="en-US" dirty="0"/>
                         <a:t>…</a:t>
                       </a:r>
                       <a:endParaRPr lang="el-GR" dirty="0"/>
@@ -26791,7 +26474,7 @@
                     <a:lstStyle/>
                     <a:p>
                       <a:r>
-                        <a:rPr lang="en-US" dirty="0" smtClean="0"/>
+                        <a:rPr lang="en-US" dirty="0"/>
                         <a:t>978743949</a:t>
                       </a:r>
                       <a:endParaRPr lang="el-GR" dirty="0"/>
@@ -26805,7 +26488,7 @@
                     <a:lstStyle/>
                     <a:p>
                       <a:r>
-                        <a:rPr lang="en-US" dirty="0" smtClean="0"/>
+                        <a:rPr lang="en-US" dirty="0"/>
                         <a:t>0</a:t>
                       </a:r>
                       <a:endParaRPr lang="el-GR" dirty="0"/>
@@ -26813,6 +26496,11 @@
                   </a:txBody>
                   <a:tcPr/>
                 </a:tc>
+                <a:extLst>
+                  <a:ext uri="{0D108BD9-81ED-4DB2-BD59-A6C34878D82A}">
+                    <a16:rowId xmlns:a16="http://schemas.microsoft.com/office/drawing/2014/main" val="10002"/>
+                  </a:ext>
+                </a:extLst>
               </a:tr>
               <a:tr h="370840">
                 <a:tc>
@@ -26821,7 +26509,7 @@
                     <a:lstStyle/>
                     <a:p>
                       <a:r>
-                        <a:rPr lang="en-US" dirty="0" smtClean="0"/>
+                        <a:rPr lang="en-US" dirty="0"/>
                         <a:t>0</a:t>
                       </a:r>
                       <a:endParaRPr lang="el-GR" dirty="0"/>
@@ -26835,7 +26523,7 @@
                     <a:lstStyle/>
                     <a:p>
                       <a:r>
-                        <a:rPr lang="en-US" dirty="0" smtClean="0"/>
+                        <a:rPr lang="en-US" dirty="0"/>
                         <a:t>2</a:t>
                       </a:r>
                       <a:endParaRPr lang="el-GR" dirty="0"/>
@@ -26849,7 +26537,7 @@
                     <a:lstStyle/>
                     <a:p>
                       <a:r>
-                        <a:rPr lang="en-US" dirty="0" smtClean="0"/>
+                        <a:rPr lang="en-US" dirty="0"/>
                         <a:t>91</a:t>
                       </a:r>
                       <a:endParaRPr lang="el-GR" dirty="0"/>
@@ -26863,7 +26551,7 @@
                     <a:lstStyle/>
                     <a:p>
                       <a:r>
-                        <a:rPr lang="en-US" dirty="0" smtClean="0"/>
+                        <a:rPr lang="en-US" dirty="0"/>
                         <a:t>…</a:t>
                       </a:r>
                       <a:endParaRPr lang="el-GR" dirty="0"/>
@@ -26877,7 +26565,7 @@
                     <a:lstStyle/>
                     <a:p>
                       <a:r>
-                        <a:rPr lang="en-US" dirty="0" smtClean="0"/>
+                        <a:rPr lang="en-US" dirty="0"/>
                         <a:t>648738393</a:t>
                       </a:r>
                       <a:endParaRPr lang="el-GR" dirty="0"/>
@@ -26891,7 +26579,7 @@
                     <a:lstStyle/>
                     <a:p>
                       <a:r>
-                        <a:rPr lang="en-US" dirty="0" smtClean="0"/>
+                        <a:rPr lang="en-US" dirty="0"/>
                         <a:t>3</a:t>
                       </a:r>
                       <a:endParaRPr lang="el-GR" dirty="0"/>
@@ -26899,6 +26587,11 @@
                   </a:txBody>
                   <a:tcPr/>
                 </a:tc>
+                <a:extLst>
+                  <a:ext uri="{0D108BD9-81ED-4DB2-BD59-A6C34878D82A}">
+                    <a16:rowId xmlns:a16="http://schemas.microsoft.com/office/drawing/2014/main" val="10003"/>
+                  </a:ext>
+                </a:extLst>
               </a:tr>
               <a:tr h="370840">
                 <a:tc>
@@ -26907,7 +26600,7 @@
                     <a:lstStyle/>
                     <a:p>
                       <a:r>
-                        <a:rPr lang="en-US" dirty="0" smtClean="0"/>
+                        <a:rPr lang="en-US" dirty="0"/>
                         <a:t>1</a:t>
                       </a:r>
                       <a:endParaRPr lang="el-GR" dirty="0"/>
@@ -26921,7 +26614,7 @@
                     <a:lstStyle/>
                     <a:p>
                       <a:r>
-                        <a:rPr lang="en-US" dirty="0" smtClean="0"/>
+                        <a:rPr lang="en-US" dirty="0"/>
                         <a:t>3</a:t>
                       </a:r>
                       <a:endParaRPr lang="el-GR" dirty="0"/>
@@ -26935,7 +26628,7 @@
                     <a:lstStyle/>
                     <a:p>
                       <a:r>
-                        <a:rPr lang="en-US" dirty="0" smtClean="0"/>
+                        <a:rPr lang="en-US" dirty="0"/>
                         <a:t>127</a:t>
                       </a:r>
                       <a:endParaRPr lang="el-GR" dirty="0"/>
@@ -26949,7 +26642,7 @@
                     <a:lstStyle/>
                     <a:p>
                       <a:r>
-                        <a:rPr lang="en-US" dirty="0" smtClean="0"/>
+                        <a:rPr lang="en-US" dirty="0"/>
                         <a:t>…</a:t>
                       </a:r>
                       <a:endParaRPr lang="el-GR" dirty="0"/>
@@ -26963,7 +26656,7 @@
                     <a:lstStyle/>
                     <a:p>
                       <a:r>
-                        <a:rPr lang="en-US" dirty="0" smtClean="0"/>
+                        <a:rPr lang="en-US" dirty="0"/>
                         <a:t>34324544</a:t>
                       </a:r>
                       <a:endParaRPr lang="el-GR" dirty="0"/>
@@ -26977,7 +26670,7 @@
                     <a:lstStyle/>
                     <a:p>
                       <a:r>
-                        <a:rPr lang="en-US" dirty="0" smtClean="0"/>
+                        <a:rPr lang="en-US" dirty="0"/>
                         <a:t>1</a:t>
                       </a:r>
                       <a:endParaRPr lang="el-GR" dirty="0"/>
@@ -26985,6 +26678,11 @@
                   </a:txBody>
                   <a:tcPr/>
                 </a:tc>
+                <a:extLst>
+                  <a:ext uri="{0D108BD9-81ED-4DB2-BD59-A6C34878D82A}">
+                    <a16:rowId xmlns:a16="http://schemas.microsoft.com/office/drawing/2014/main" val="10004"/>
+                  </a:ext>
+                </a:extLst>
               </a:tr>
               <a:tr h="370840">
                 <a:tc>
@@ -26993,7 +26691,7 @@
                     <a:lstStyle/>
                     <a:p>
                       <a:r>
-                        <a:rPr lang="en-US" dirty="0" smtClean="0"/>
+                        <a:rPr lang="en-US" dirty="0"/>
                         <a:t>0</a:t>
                       </a:r>
                       <a:endParaRPr lang="el-GR" dirty="0"/>
@@ -27007,7 +26705,7 @@
                     <a:lstStyle/>
                     <a:p>
                       <a:r>
-                        <a:rPr lang="en-US" dirty="0" smtClean="0"/>
+                        <a:rPr lang="en-US" dirty="0"/>
                         <a:t>0</a:t>
                       </a:r>
                       <a:endParaRPr lang="el-GR" dirty="0"/>
@@ -27021,7 +26719,7 @@
                     <a:lstStyle/>
                     <a:p>
                       <a:r>
-                        <a:rPr lang="en-US" dirty="0" smtClean="0"/>
+                        <a:rPr lang="en-US" dirty="0"/>
                         <a:t>112</a:t>
                       </a:r>
                       <a:endParaRPr lang="el-GR" dirty="0"/>
@@ -27035,7 +26733,7 @@
                     <a:lstStyle/>
                     <a:p>
                       <a:r>
-                        <a:rPr lang="en-US" dirty="0" smtClean="0"/>
+                        <a:rPr lang="en-US" dirty="0"/>
                         <a:t>…</a:t>
                       </a:r>
                       <a:endParaRPr lang="el-GR" dirty="0"/>
@@ -27049,7 +26747,7 @@
                     <a:lstStyle/>
                     <a:p>
                       <a:r>
-                        <a:rPr lang="en-US" dirty="0" smtClean="0"/>
+                        <a:rPr lang="en-US" dirty="0"/>
                         <a:t>92343452</a:t>
                       </a:r>
                       <a:endParaRPr lang="el-GR" dirty="0"/>
@@ -27063,7 +26761,7 @@
                     <a:lstStyle/>
                     <a:p>
                       <a:r>
-                        <a:rPr lang="en-US" dirty="0" smtClean="0"/>
+                        <a:rPr lang="en-US" dirty="0"/>
                         <a:t>4</a:t>
                       </a:r>
                       <a:endParaRPr lang="el-GR" dirty="0"/>
@@ -27071,6 +26769,11 @@
                   </a:txBody>
                   <a:tcPr/>
                 </a:tc>
+                <a:extLst>
+                  <a:ext uri="{0D108BD9-81ED-4DB2-BD59-A6C34878D82A}">
+                    <a16:rowId xmlns:a16="http://schemas.microsoft.com/office/drawing/2014/main" val="10005"/>
+                  </a:ext>
+                </a:extLst>
               </a:tr>
               <a:tr h="370840">
                 <a:tc>
@@ -27079,7 +26782,7 @@
                     <a:lstStyle/>
                     <a:p>
                       <a:r>
-                        <a:rPr lang="en-US" dirty="0" smtClean="0"/>
+                        <a:rPr lang="en-US" dirty="0"/>
                         <a:t>1</a:t>
                       </a:r>
                       <a:endParaRPr lang="el-GR" dirty="0"/>
@@ -27093,7 +26796,7 @@
                     <a:lstStyle/>
                     <a:p>
                       <a:r>
-                        <a:rPr lang="en-US" dirty="0" smtClean="0"/>
+                        <a:rPr lang="en-US" dirty="0"/>
                         <a:t>4</a:t>
                       </a:r>
                       <a:endParaRPr lang="el-GR" dirty="0"/>
@@ -27107,7 +26810,7 @@
                     <a:lstStyle/>
                     <a:p>
                       <a:r>
-                        <a:rPr lang="en-US" dirty="0" smtClean="0"/>
+                        <a:rPr lang="en-US" dirty="0"/>
                         <a:t>96</a:t>
                       </a:r>
                       <a:endParaRPr lang="el-GR" dirty="0"/>
@@ -27121,7 +26824,7 @@
                     <a:lstStyle/>
                     <a:p>
                       <a:r>
-                        <a:rPr lang="en-US" dirty="0" smtClean="0"/>
+                        <a:rPr lang="en-US" dirty="0"/>
                         <a:t>…</a:t>
                       </a:r>
                       <a:endParaRPr lang="el-GR" dirty="0"/>
@@ -27135,7 +26838,7 @@
                     <a:lstStyle/>
                     <a:p>
                       <a:r>
-                        <a:rPr lang="en-US" dirty="0" smtClean="0"/>
+                        <a:rPr lang="en-US" dirty="0"/>
                         <a:t>253435455667</a:t>
                       </a:r>
                       <a:endParaRPr lang="el-GR" dirty="0"/>
@@ -27149,7 +26852,7 @@
                     <a:lstStyle/>
                     <a:p>
                       <a:r>
-                        <a:rPr lang="en-US" dirty="0" smtClean="0"/>
+                        <a:rPr lang="en-US" dirty="0"/>
                         <a:t>0</a:t>
                       </a:r>
                       <a:endParaRPr lang="el-GR" dirty="0"/>
@@ -27157,6 +26860,11 @@
                   </a:txBody>
                   <a:tcPr/>
                 </a:tc>
+                <a:extLst>
+                  <a:ext uri="{0D108BD9-81ED-4DB2-BD59-A6C34878D82A}">
+                    <a16:rowId xmlns:a16="http://schemas.microsoft.com/office/drawing/2014/main" val="10006"/>
+                  </a:ext>
+                </a:extLst>
               </a:tr>
               <a:tr h="370840">
                 <a:tc>
@@ -27165,7 +26873,7 @@
                     <a:lstStyle/>
                     <a:p>
                       <a:r>
-                        <a:rPr lang="en-US" dirty="0" smtClean="0"/>
+                        <a:rPr lang="en-US" dirty="0"/>
                         <a:t>…</a:t>
                       </a:r>
                       <a:endParaRPr lang="el-GR" dirty="0"/>
@@ -27179,7 +26887,7 @@
                     <a:lstStyle/>
                     <a:p>
                       <a:r>
-                        <a:rPr lang="en-US" dirty="0" smtClean="0"/>
+                        <a:rPr lang="en-US" dirty="0"/>
                         <a:t>…</a:t>
                       </a:r>
                       <a:endParaRPr lang="el-GR" dirty="0"/>
@@ -27193,7 +26901,7 @@
                     <a:lstStyle/>
                     <a:p>
                       <a:r>
-                        <a:rPr lang="en-US" dirty="0" smtClean="0"/>
+                        <a:rPr lang="en-US" dirty="0"/>
                         <a:t>…</a:t>
                       </a:r>
                       <a:endParaRPr lang="el-GR" dirty="0"/>
@@ -27207,7 +26915,7 @@
                     <a:lstStyle/>
                     <a:p>
                       <a:r>
-                        <a:rPr lang="en-US" dirty="0" smtClean="0"/>
+                        <a:rPr lang="en-US" dirty="0"/>
                         <a:t>…</a:t>
                       </a:r>
                       <a:endParaRPr lang="el-GR" dirty="0"/>
@@ -27221,7 +26929,7 @@
                     <a:lstStyle/>
                     <a:p>
                       <a:r>
-                        <a:rPr lang="en-US" dirty="0" smtClean="0"/>
+                        <a:rPr lang="en-US" dirty="0"/>
                         <a:t>…</a:t>
                       </a:r>
                       <a:endParaRPr lang="el-GR" dirty="0"/>
@@ -27235,7 +26943,7 @@
                     <a:lstStyle/>
                     <a:p>
                       <a:r>
-                        <a:rPr lang="en-US" dirty="0" smtClean="0"/>
+                        <a:rPr lang="en-US" dirty="0"/>
                         <a:t>…</a:t>
                       </a:r>
                       <a:endParaRPr lang="el-GR" dirty="0"/>
@@ -27243,6 +26951,11 @@
                   </a:txBody>
                   <a:tcPr/>
                 </a:tc>
+                <a:extLst>
+                  <a:ext uri="{0D108BD9-81ED-4DB2-BD59-A6C34878D82A}">
+                    <a16:rowId xmlns:a16="http://schemas.microsoft.com/office/drawing/2014/main" val="10007"/>
+                  </a:ext>
+                </a:extLst>
               </a:tr>
               <a:tr h="370840">
                 <a:tc>
@@ -27251,7 +26964,7 @@
                     <a:lstStyle/>
                     <a:p>
                       <a:r>
-                        <a:rPr lang="en-US" dirty="0" smtClean="0"/>
+                        <a:rPr lang="en-US" dirty="0"/>
                         <a:t>0</a:t>
                       </a:r>
                       <a:endParaRPr lang="el-GR" dirty="0"/>
@@ -27265,7 +26978,7 @@
                     <a:lstStyle/>
                     <a:p>
                       <a:r>
-                        <a:rPr lang="en-US" dirty="0" smtClean="0"/>
+                        <a:rPr lang="en-US" dirty="0"/>
                         <a:t>0</a:t>
                       </a:r>
                       <a:endParaRPr lang="el-GR" dirty="0"/>
@@ -27279,7 +26992,7 @@
                     <a:lstStyle/>
                     <a:p>
                       <a:r>
-                        <a:rPr lang="en-US" dirty="0" smtClean="0"/>
+                        <a:rPr lang="en-US" dirty="0"/>
                         <a:t>123</a:t>
                       </a:r>
                       <a:endParaRPr lang="el-GR" dirty="0"/>
@@ -27293,7 +27006,7 @@
                     <a:lstStyle/>
                     <a:p>
                       <a:r>
-                        <a:rPr lang="en-US" dirty="0" smtClean="0"/>
+                        <a:rPr lang="en-US" dirty="0"/>
                         <a:t>…</a:t>
                       </a:r>
                       <a:endParaRPr lang="el-GR" dirty="0"/>
@@ -27307,7 +27020,7 @@
                     <a:lstStyle/>
                     <a:p>
                       <a:r>
-                        <a:rPr lang="en-US" dirty="0" smtClean="0"/>
+                        <a:rPr lang="en-US" dirty="0"/>
                         <a:t>7234545464</a:t>
                       </a:r>
                       <a:endParaRPr lang="el-GR" dirty="0"/>
@@ -27321,7 +27034,7 @@
                     <a:lstStyle/>
                     <a:p>
                       <a:r>
-                        <a:rPr lang="en-US" dirty="0" smtClean="0"/>
+                        <a:rPr lang="en-US" dirty="0"/>
                         <a:t>0</a:t>
                       </a:r>
                       <a:endParaRPr lang="el-GR" dirty="0"/>
@@ -27329,6 +27042,11 @@
                   </a:txBody>
                   <a:tcPr/>
                 </a:tc>
+                <a:extLst>
+                  <a:ext uri="{0D108BD9-81ED-4DB2-BD59-A6C34878D82A}">
+                    <a16:rowId xmlns:a16="http://schemas.microsoft.com/office/drawing/2014/main" val="10008"/>
+                  </a:ext>
+                </a:extLst>
               </a:tr>
               <a:tr h="370840">
                 <a:tc>
@@ -27337,7 +27055,7 @@
                     <a:lstStyle/>
                     <a:p>
                       <a:r>
-                        <a:rPr lang="en-US" dirty="0" smtClean="0"/>
+                        <a:rPr lang="en-US" dirty="0"/>
                         <a:t>0</a:t>
                       </a:r>
                       <a:endParaRPr lang="el-GR" dirty="0"/>
@@ -27351,7 +27069,7 @@
                     <a:lstStyle/>
                     <a:p>
                       <a:r>
-                        <a:rPr lang="en-US" dirty="0" smtClean="0"/>
+                        <a:rPr lang="en-US" dirty="0"/>
                         <a:t>1</a:t>
                       </a:r>
                       <a:endParaRPr lang="el-GR" dirty="0"/>
@@ -27365,7 +27083,7 @@
                     <a:lstStyle/>
                     <a:p>
                       <a:r>
-                        <a:rPr lang="en-US" dirty="0" smtClean="0"/>
+                        <a:rPr lang="en-US" dirty="0"/>
                         <a:t>118</a:t>
                       </a:r>
                       <a:endParaRPr lang="el-GR" dirty="0"/>
@@ -27379,7 +27097,7 @@
                     <a:lstStyle/>
                     <a:p>
                       <a:r>
-                        <a:rPr lang="en-US" dirty="0" smtClean="0"/>
+                        <a:rPr lang="en-US" dirty="0"/>
                         <a:t>…</a:t>
                       </a:r>
                       <a:endParaRPr lang="el-GR" dirty="0"/>
@@ -27393,7 +27111,7 @@
                     <a:lstStyle/>
                     <a:p>
                       <a:r>
-                        <a:rPr lang="en-US" dirty="0" smtClean="0"/>
+                        <a:rPr lang="en-US" dirty="0"/>
                         <a:t>20344534</a:t>
                       </a:r>
                       <a:endParaRPr lang="el-GR" dirty="0"/>
@@ -27407,7 +27125,7 @@
                     <a:lstStyle/>
                     <a:p>
                       <a:r>
-                        <a:rPr lang="en-US" dirty="0" smtClean="0"/>
+                        <a:rPr lang="en-US" dirty="0"/>
                         <a:t>1</a:t>
                       </a:r>
                       <a:endParaRPr lang="el-GR" dirty="0"/>
@@ -27415,6 +27133,11 @@
                   </a:txBody>
                   <a:tcPr/>
                 </a:tc>
+                <a:extLst>
+                  <a:ext uri="{0D108BD9-81ED-4DB2-BD59-A6C34878D82A}">
+                    <a16:rowId xmlns:a16="http://schemas.microsoft.com/office/drawing/2014/main" val="10009"/>
+                  </a:ext>
+                </a:extLst>
               </a:tr>
             </a:tbl>
           </a:graphicData>
@@ -27442,13 +27165,6 @@
       </p:transition>
     </mc:Fallback>
   </mc:AlternateContent>
-  <p:timing>
-    <p:tnLst>
-      <p:par>
-        <p:cTn id="1" dur="indefinite" restart="never" nodeType="tmRoot"/>
-      </p:par>
-    </p:tnLst>
-  </p:timing>
 </p:sld>
 </file>
 
